--- a/docs/basic/collecties/theorie_FUN12_Lists.pptx
+++ b/docs/basic/collecties/theorie_FUN12_Lists.pptx
@@ -10,7 +10,7 @@
     <p:sldMasterId id="2147484051" r:id="rId9"/>
   </p:sldMasterIdLst>
   <p:notesMasterIdLst>
-    <p:notesMasterId r:id="rId19"/>
+    <p:notesMasterId r:id="rId18"/>
   </p:notesMasterIdLst>
   <p:sldIdLst>
     <p:sldId id="344" r:id="rId10"/>
@@ -21,7 +21,6 @@
     <p:sldId id="357" r:id="rId15"/>
     <p:sldId id="358" r:id="rId16"/>
     <p:sldId id="356" r:id="rId17"/>
-    <p:sldId id="341" r:id="rId18"/>
   </p:sldIdLst>
   <p:sldSz cx="9144000" cy="6858000" type="screen4x3"/>
   <p:notesSz cx="6858000" cy="9144000"/>
@@ -133,7 +132,6 @@
             <p14:sldId id="357"/>
             <p14:sldId id="358"/>
             <p14:sldId id="356"/>
-            <p14:sldId id="341"/>
           </p14:sldIdLst>
         </p14:section>
       </p14:sectionLst>
@@ -239,7 +237,7 @@
             <a:fld id="{AB99211C-598F-4B3D-BB4B-E1D2DC515189}" type="datetimeFigureOut">
               <a:rPr lang="en-US" smtClean="0"/>
               <a:pPr/>
-              <a:t>24-Nov-16</a:t>
+              <a:t>12/28/19</a:t>
             </a:fld>
             <a:endParaRPr lang="en-US"/>
           </a:p>
@@ -305,38 +303,37 @@
           <a:p>
             <a:pPr lvl="0"/>
             <a:r>
-              <a:rPr lang="en-US" smtClean="0"/>
+              <a:rPr lang="en-US"/>
               <a:t>Click to edit Master text styles</a:t>
             </a:r>
           </a:p>
           <a:p>
             <a:pPr lvl="1"/>
             <a:r>
-              <a:rPr lang="en-US" smtClean="0"/>
+              <a:rPr lang="en-US"/>
               <a:t>Second level</a:t>
             </a:r>
           </a:p>
           <a:p>
             <a:pPr lvl="2"/>
             <a:r>
-              <a:rPr lang="en-US" smtClean="0"/>
+              <a:rPr lang="en-US"/>
               <a:t>Third level</a:t>
             </a:r>
           </a:p>
           <a:p>
             <a:pPr lvl="3"/>
             <a:r>
-              <a:rPr lang="en-US" smtClean="0"/>
+              <a:rPr lang="en-US"/>
               <a:t>Fourth level</a:t>
             </a:r>
           </a:p>
           <a:p>
             <a:pPr lvl="4"/>
             <a:r>
-              <a:rPr lang="en-US" smtClean="0"/>
+              <a:rPr lang="en-US"/>
               <a:t>Fifth level</a:t>
             </a:r>
-            <a:endParaRPr lang="en-US"/>
           </a:p>
         </p:txBody>
       </p:sp>
@@ -571,7 +568,7 @@
               <a:tabLst/>
               <a:defRPr/>
             </a:pPr>
-            <a:endParaRPr lang="nl-NL" dirty="0" smtClean="0"/>
+            <a:endParaRPr lang="nl-NL" dirty="0"/>
           </a:p>
         </p:txBody>
       </p:sp>
@@ -656,34 +653,30 @@
           <a:lstStyle/>
           <a:p>
             <a:r>
-              <a:rPr lang="nl-NL" dirty="0" smtClean="0"/>
+              <a:rPr lang="nl-NL" dirty="0"/>
               <a:t>Je moet bij het aanmaken van de array opgeven wat de maximale grootte gaat</a:t>
             </a:r>
             <a:r>
-              <a:rPr lang="nl-NL" baseline="0" dirty="0" smtClean="0"/>
+              <a:rPr lang="nl-NL" baseline="0" dirty="0"/>
               <a:t> zijn. Dit ligt dan vast voor die variabele. Dat is onhandig als je van te voren eigenlijk nog niet weet hoeveel elementen je in de array wilt gaan </a:t>
             </a:r>
             <a:r>
-              <a:rPr lang="nl-NL" baseline="0" smtClean="0"/>
-              <a:t>plaatsen</a:t>
-            </a:r>
-            <a:r>
-              <a:rPr lang="nl-NL" baseline="0" smtClean="0"/>
-              <a:t>.</a:t>
-            </a:r>
-          </a:p>
-          <a:p>
-            <a:r>
-              <a:rPr lang="nl-NL" baseline="0" smtClean="0"/>
+              <a:rPr lang="nl-NL" baseline="0"/>
+              <a:t>plaatsen.</a:t>
+            </a:r>
+          </a:p>
+          <a:p>
+            <a:r>
+              <a:rPr lang="nl-NL" baseline="0"/>
               <a:t>Ook is het verwijderen van een element uit een array lastig/omslachtig zie http://stackoverflow.com/questions/496896/how-to-delete-an-element-from-an-array-in-c-sharp</a:t>
             </a:r>
           </a:p>
           <a:p>
-            <a:endParaRPr lang="nl-NL" baseline="0" smtClean="0"/>
-          </a:p>
-          <a:p>
-            <a:r>
-              <a:rPr lang="nl-NL" baseline="0" smtClean="0"/>
+            <a:endParaRPr lang="nl-NL" baseline="0"/>
+          </a:p>
+          <a:p>
+            <a:r>
+              <a:rPr lang="nl-NL" baseline="0"/>
               <a:t>Overigens heeft array’s wel ook een voordeel nl. performance.</a:t>
             </a:r>
             <a:endParaRPr lang="en-US" dirty="0"/>
@@ -791,7 +784,7 @@
               <a:defRPr/>
             </a:pPr>
             <a:r>
-              <a:rPr lang="nl-NL" dirty="0" smtClean="0">
+              <a:rPr lang="nl-NL" dirty="0">
                 <a:highlight>
                   <a:srgbClr val="FFFFFF"/>
                 </a:highlight>
@@ -800,7 +793,7 @@
               <a:t>Als je nog meer items wilt toevoegen aan een array die al vol zit werkt dat niet zo maar. Dan moet je of</a:t>
             </a:r>
             <a:r>
-              <a:rPr lang="nl-NL" baseline="0" dirty="0" smtClean="0">
+              <a:rPr lang="nl-NL" baseline="0" dirty="0">
                 <a:highlight>
                   <a:srgbClr val="FFFFFF"/>
                 </a:highlight>
@@ -809,25 +802,16 @@
               <a:t> opnieuw een nieuwe array aanmaken die groter is dan de vorige en andere moeilijke </a:t>
             </a:r>
             <a:r>
-              <a:rPr lang="nl-NL" baseline="0" smtClean="0">
+              <a:rPr lang="nl-NL" baseline="0">
                 <a:highlight>
                   <a:srgbClr val="FFFFFF"/>
                 </a:highlight>
                 <a:latin typeface="Helvetica Light"/>
               </a:rPr>
-              <a:t>trucen </a:t>
-            </a:r>
-            <a:r>
-              <a:rPr lang="nl-NL" baseline="0" smtClean="0">
-                <a:highlight>
-                  <a:srgbClr val="FFFFFF"/>
-                </a:highlight>
-                <a:latin typeface="Helvetica Light"/>
-              </a:rPr>
-              <a:t>uithalen (zie http://stackoverflow.com/questions/19328229/resize-array-in-c-sharp-later-in-the-program), </a:t>
-            </a:r>
-            <a:r>
-              <a:rPr lang="nl-NL" baseline="0" dirty="0" smtClean="0">
+              <a:t>trucen uithalen (zie http://stackoverflow.com/questions/19328229/resize-array-in-c-sharp-later-in-the-program), </a:t>
+            </a:r>
+            <a:r>
+              <a:rPr lang="nl-NL" baseline="0" dirty="0">
                 <a:highlight>
                   <a:srgbClr val="FFFFFF"/>
                 </a:highlight>
@@ -836,7 +820,7 @@
               <a:t>of je maakt gebruik van </a:t>
             </a:r>
             <a:r>
-              <a:rPr lang="nl-NL" baseline="0" dirty="0" err="1" smtClean="0">
+              <a:rPr lang="nl-NL" baseline="0" dirty="0" err="1">
                 <a:highlight>
                   <a:srgbClr val="FFFFFF"/>
                 </a:highlight>
@@ -845,7 +829,7 @@
               <a:t>Lists</a:t>
             </a:r>
             <a:r>
-              <a:rPr lang="nl-NL" baseline="0" dirty="0" smtClean="0">
+              <a:rPr lang="nl-NL" baseline="0" dirty="0">
                 <a:highlight>
                   <a:srgbClr val="FFFFFF"/>
                 </a:highlight>
@@ -853,7 +837,7 @@
               </a:rPr>
               <a:t> (zie volgende slide)!</a:t>
             </a:r>
-            <a:endParaRPr lang="nl-NL" dirty="0" smtClean="0">
+            <a:endParaRPr lang="nl-NL" dirty="0">
               <a:highlight>
                 <a:srgbClr val="FFFFFF"/>
               </a:highlight>
@@ -962,7 +946,7 @@
               <a:tabLst/>
               <a:defRPr/>
             </a:pPr>
-            <a:endParaRPr lang="nl-NL" dirty="0" smtClean="0">
+            <a:endParaRPr lang="nl-NL" dirty="0">
               <a:highlight>
                 <a:srgbClr val="FFFFFF"/>
               </a:highlight>
@@ -1055,11 +1039,11 @@
           <a:lstStyle/>
           <a:p>
             <a:r>
-              <a:rPr lang="nl-NL" dirty="0" smtClean="0"/>
+              <a:rPr lang="nl-NL" dirty="0"/>
               <a:t>Is het verhaal over klassen en new en dergelijken</a:t>
             </a:r>
             <a:r>
-              <a:rPr lang="nl-NL" baseline="0" dirty="0" smtClean="0"/>
+              <a:rPr lang="nl-NL" baseline="0" dirty="0"/>
               <a:t> nog te moeilijk? Doe dan eerst de Canvas module over klassen.</a:t>
             </a:r>
             <a:endParaRPr lang="en-US" dirty="0"/>
@@ -1237,70 +1221,66 @@
           <a:lstStyle/>
           <a:p>
             <a:r>
-              <a:rPr lang="nl-NL" dirty="0" smtClean="0"/>
+              <a:rPr lang="nl-NL" dirty="0"/>
               <a:t>In dit voorbeeldje wordt de </a:t>
             </a:r>
             <a:r>
-              <a:rPr lang="nl-NL" dirty="0" err="1" smtClean="0"/>
+              <a:rPr lang="nl-NL" dirty="0" err="1"/>
               <a:t>foreach</a:t>
             </a:r>
             <a:r>
-              <a:rPr lang="nl-NL" dirty="0" smtClean="0"/>
+              <a:rPr lang="nl-NL" dirty="0"/>
               <a:t>-loop gebruikt. Dit is een speciale loop die je bij collecties zoals </a:t>
             </a:r>
             <a:r>
-              <a:rPr lang="nl-NL" dirty="0" err="1" smtClean="0"/>
+              <a:rPr lang="nl-NL" dirty="0" err="1"/>
               <a:t>Lists</a:t>
             </a:r>
             <a:r>
-              <a:rPr lang="nl-NL" dirty="0" smtClean="0"/>
+              <a:rPr lang="nl-NL" dirty="0"/>
               <a:t> en </a:t>
             </a:r>
             <a:r>
-              <a:rPr lang="nl-NL" dirty="0" err="1" smtClean="0"/>
+              <a:rPr lang="nl-NL" dirty="0" err="1"/>
               <a:t>array’s</a:t>
             </a:r>
             <a:r>
-              <a:rPr lang="nl-NL" baseline="0" dirty="0" smtClean="0"/>
+              <a:rPr lang="nl-NL" baseline="0" dirty="0"/>
               <a:t> kunt gebruiken. Gebruik voor het aan elkaar plakken van strings in een loop altijd de </a:t>
             </a:r>
             <a:r>
-              <a:rPr lang="nl-NL" baseline="0" dirty="0" err="1" smtClean="0"/>
+              <a:rPr lang="nl-NL" baseline="0" dirty="0" err="1"/>
               <a:t>StringBuilder</a:t>
             </a:r>
             <a:r>
-              <a:rPr lang="nl-NL" baseline="0" dirty="0" smtClean="0"/>
+              <a:rPr lang="nl-NL" baseline="0" dirty="0"/>
               <a:t> klasse. Zie </a:t>
             </a:r>
             <a:r>
-              <a:rPr lang="nl-NL" baseline="0" smtClean="0"/>
+              <a:rPr lang="nl-NL" baseline="0"/>
               <a:t>de Canvas </a:t>
             </a:r>
             <a:r>
-              <a:rPr lang="nl-NL" baseline="0" dirty="0" smtClean="0"/>
+              <a:rPr lang="nl-NL" baseline="0" dirty="0"/>
               <a:t>module over klassen voor de uitleg </a:t>
             </a:r>
             <a:r>
-              <a:rPr lang="nl-NL" baseline="0" smtClean="0"/>
-              <a:t>daarover</a:t>
-            </a:r>
-            <a:r>
-              <a:rPr lang="nl-NL" baseline="0" smtClean="0"/>
-              <a:t>.</a:t>
-            </a:r>
-          </a:p>
-          <a:p>
-            <a:endParaRPr lang="nl-NL" baseline="0" smtClean="0"/>
-          </a:p>
-          <a:p>
-            <a:r>
-              <a:rPr lang="nl-NL" baseline="0" smtClean="0"/>
+              <a:rPr lang="nl-NL" baseline="0"/>
+              <a:t>daarover.</a:t>
+            </a:r>
+          </a:p>
+          <a:p>
+            <a:endParaRPr lang="nl-NL" baseline="0"/>
+          </a:p>
+          <a:p>
+            <a:r>
+              <a:rPr lang="nl-NL" baseline="0"/>
               <a:t>Het vullen van de words List kan ook op de volgende (makkelijkere/snellere) manier:</a:t>
             </a:r>
           </a:p>
           <a:p>
             <a:r>
-              <a:rPr lang="en-US" sz="1200" kern="1200" smtClean="0">
+              <a:rPr lang="en-US" sz="1200" kern="1200">
                 <a:solidFill>
                   <a:schemeClr val="tx1"/>
                 </a:solidFill>
@@ -1429,115 +1409,6 @@
     <p:extLst>
       <p:ext uri="{BB962C8B-B14F-4D97-AF65-F5344CB8AC3E}">
         <p14:creationId xmlns:p14="http://schemas.microsoft.com/office/powerpoint/2010/main" val="2699414056"/>
-      </p:ext>
-    </p:extLst>
-  </p:cSld>
-  <p:clrMapOvr>
-    <a:masterClrMapping/>
-  </p:clrMapOvr>
-</p:notes>
-</file>
-
-<file path=ppt/notesSlides/notesSlide9.xml><?xml version="1.0" encoding="utf-8"?>
-<p:notes xmlns:a="http://schemas.openxmlformats.org/drawingml/2006/main" xmlns:r="http://schemas.openxmlformats.org/officeDocument/2006/relationships" xmlns:p="http://schemas.openxmlformats.org/presentationml/2006/main">
-  <p:cSld>
-    <p:spTree>
-      <p:nvGrpSpPr>
-        <p:cNvPr id="1" name=""/>
-        <p:cNvGrpSpPr/>
-        <p:nvPr/>
-      </p:nvGrpSpPr>
-      <p:grpSpPr>
-        <a:xfrm>
-          <a:off x="0" y="0"/>
-          <a:ext cx="0" cy="0"/>
-          <a:chOff x="0" y="0"/>
-          <a:chExt cx="0" cy="0"/>
-        </a:xfrm>
-      </p:grpSpPr>
-      <p:sp>
-        <p:nvSpPr>
-          <p:cNvPr id="2" name="Slide Image Placeholder 1"/>
-          <p:cNvSpPr>
-            <a:spLocks noGrp="1" noRot="1" noChangeAspect="1"/>
-          </p:cNvSpPr>
-          <p:nvPr>
-            <p:ph type="sldImg"/>
-          </p:nvPr>
-        </p:nvSpPr>
-        <p:spPr/>
-      </p:sp>
-      <p:sp>
-        <p:nvSpPr>
-          <p:cNvPr id="3" name="Notes Placeholder 2"/>
-          <p:cNvSpPr>
-            <a:spLocks noGrp="1"/>
-          </p:cNvSpPr>
-          <p:nvPr>
-            <p:ph type="body" idx="1"/>
-          </p:nvPr>
-        </p:nvSpPr>
-        <p:spPr/>
-        <p:txBody>
-          <a:bodyPr/>
-          <a:lstStyle/>
-          <a:p>
-            <a:pPr marL="0" marR="0" indent="0" algn="l" defTabSz="914400" rtl="0" eaLnBrk="1" fontAlgn="auto" latinLnBrk="0" hangingPunct="1">
-              <a:lnSpc>
-                <a:spcPct val="100000"/>
-              </a:lnSpc>
-              <a:spcBef>
-                <a:spcPts val="0"/>
-              </a:spcBef>
-              <a:spcAft>
-                <a:spcPts val="0"/>
-              </a:spcAft>
-              <a:buClrTx/>
-              <a:buSzTx/>
-              <a:buFontTx/>
-              <a:buNone/>
-              <a:tabLst/>
-              <a:defRPr/>
-            </a:pPr>
-            <a:r>
-              <a:rPr lang="nl-NL" dirty="0" smtClean="0"/>
-              <a:t>Je kunt ook je vragen aan elkaar stellen. Je docent beantwoord</a:t>
-            </a:r>
-            <a:r>
-              <a:rPr lang="nl-NL" baseline="0" dirty="0" smtClean="0"/>
-              <a:t> ze natuurlijk ook maar al te graag. Probeer wel eerst zelf naar een oplossing te zoeken voor je het gaat vragen.</a:t>
-            </a:r>
-            <a:endParaRPr lang="nl-NL" dirty="0" smtClean="0"/>
-          </a:p>
-        </p:txBody>
-      </p:sp>
-      <p:sp>
-        <p:nvSpPr>
-          <p:cNvPr id="4" name="Slide Number Placeholder 3"/>
-          <p:cNvSpPr>
-            <a:spLocks noGrp="1"/>
-          </p:cNvSpPr>
-          <p:nvPr>
-            <p:ph type="sldNum" sz="quarter" idx="10"/>
-          </p:nvPr>
-        </p:nvSpPr>
-        <p:spPr/>
-        <p:txBody>
-          <a:bodyPr/>
-          <a:lstStyle/>
-          <a:p>
-            <a:fld id="{AE072925-894A-AD46-B7A3-9CE73F64B2AC}" type="slidenum">
-              <a:rPr lang="nl-NL" smtClean="0"/>
-              <a:t>9</a:t>
-            </a:fld>
-            <a:endParaRPr lang="nl-NL"/>
-          </a:p>
-        </p:txBody>
-      </p:sp>
-    </p:spTree>
-    <p:extLst>
-      <p:ext uri="{BB962C8B-B14F-4D97-AF65-F5344CB8AC3E}">
-        <p14:creationId xmlns:p14="http://schemas.microsoft.com/office/powerpoint/2010/main" val="4109892312"/>
       </p:ext>
     </p:extLst>
   </p:cSld>
@@ -1623,7 +1494,7 @@
           </a:lstStyle>
           <a:p>
             <a:r>
-              <a:rPr lang="nl-NL" smtClean="0"/>
+              <a:rPr lang="nl-NL"/>
               <a:t>Klik om de stijl te bewerken</a:t>
             </a:r>
             <a:endParaRPr lang="nl-NL" dirty="0"/>
@@ -1677,10 +1548,9 @@
           <a:lstStyle/>
           <a:p>
             <a:r>
-              <a:rPr lang="en-US" smtClean="0"/>
+              <a:rPr lang="en-US"/>
               <a:t>Click to edit Master title style</a:t>
             </a:r>
-            <a:endParaRPr lang="en-US"/>
           </a:p>
         </p:txBody>
       </p:sp>
@@ -1701,38 +1571,37 @@
           <a:p>
             <a:pPr lvl="0"/>
             <a:r>
-              <a:rPr lang="en-US" smtClean="0"/>
+              <a:rPr lang="en-US"/>
               <a:t>Click to edit Master text styles</a:t>
             </a:r>
           </a:p>
           <a:p>
             <a:pPr lvl="1"/>
             <a:r>
-              <a:rPr lang="en-US" smtClean="0"/>
+              <a:rPr lang="en-US"/>
               <a:t>Second level</a:t>
             </a:r>
           </a:p>
           <a:p>
             <a:pPr lvl="2"/>
             <a:r>
-              <a:rPr lang="en-US" smtClean="0"/>
+              <a:rPr lang="en-US"/>
               <a:t>Third level</a:t>
             </a:r>
           </a:p>
           <a:p>
             <a:pPr lvl="3"/>
             <a:r>
-              <a:rPr lang="en-US" smtClean="0"/>
+              <a:rPr lang="en-US"/>
               <a:t>Fourth level</a:t>
             </a:r>
           </a:p>
           <a:p>
             <a:pPr lvl="4"/>
             <a:r>
-              <a:rPr lang="en-US" smtClean="0"/>
+              <a:rPr lang="en-US"/>
               <a:t>Fifth level</a:t>
             </a:r>
-            <a:endParaRPr lang="en-US"/>
           </a:p>
         </p:txBody>
       </p:sp>
@@ -1771,7 +1640,7 @@
               <a:pPr>
                 <a:defRPr/>
               </a:pPr>
-              <a:t>24-11-2016</a:t>
+              <a:t>28-12-2019</a:t>
             </a:fld>
             <a:endParaRPr lang="nl-NL" b="0">
               <a:solidFill>
@@ -1940,7 +1809,7 @@
           </a:lstStyle>
           <a:p>
             <a:r>
-              <a:rPr lang="nl-NL" smtClean="0"/>
+              <a:rPr lang="nl-NL"/>
               <a:t>Klik om de stijl te bewerken</a:t>
             </a:r>
             <a:endParaRPr lang="nl-NL" dirty="0"/>
@@ -1995,38 +1864,37 @@
           <a:p>
             <a:pPr lvl="0"/>
             <a:r>
-              <a:rPr lang="nl-NL" smtClean="0"/>
+              <a:rPr lang="nl-NL"/>
               <a:t>Klik om de modelstijlen te bewerken</a:t>
             </a:r>
           </a:p>
           <a:p>
             <a:pPr lvl="1"/>
             <a:r>
-              <a:rPr lang="nl-NL" smtClean="0"/>
+              <a:rPr lang="nl-NL"/>
               <a:t>Tweede niveau</a:t>
             </a:r>
           </a:p>
           <a:p>
             <a:pPr lvl="2"/>
             <a:r>
-              <a:rPr lang="nl-NL" smtClean="0"/>
+              <a:rPr lang="nl-NL"/>
               <a:t>Derde niveau</a:t>
             </a:r>
           </a:p>
           <a:p>
             <a:pPr lvl="3"/>
             <a:r>
-              <a:rPr lang="nl-NL" smtClean="0"/>
+              <a:rPr lang="nl-NL"/>
               <a:t>Vierde niveau</a:t>
             </a:r>
           </a:p>
           <a:p>
             <a:pPr lvl="4"/>
             <a:r>
-              <a:rPr lang="nl-NL" smtClean="0"/>
+              <a:rPr lang="nl-NL"/>
               <a:t>Vijfde niveau</a:t>
             </a:r>
-            <a:endParaRPr lang="nl-NL"/>
           </a:p>
         </p:txBody>
       </p:sp>
@@ -2074,10 +1942,9 @@
               <a:defRPr/>
             </a:pPr>
             <a:r>
-              <a:rPr lang="nl-NL" smtClean="0"/>
+              <a:rPr lang="nl-NL"/>
               <a:t>Fontys Hogeschool ICT</a:t>
             </a:r>
-            <a:endParaRPr lang="nl-NL"/>
           </a:p>
         </p:txBody>
       </p:sp>
@@ -2159,10 +2026,9 @@
           <a:lstStyle/>
           <a:p>
             <a:r>
-              <a:rPr lang="nl-NL" smtClean="0"/>
+              <a:rPr lang="nl-NL"/>
               <a:t>Klik om de stijl te bewerken</a:t>
             </a:r>
-            <a:endParaRPr lang="nl-NL"/>
           </a:p>
         </p:txBody>
       </p:sp>
@@ -2247,38 +2113,37 @@
           <a:p>
             <a:pPr lvl="0"/>
             <a:r>
-              <a:rPr lang="nl-NL" smtClean="0"/>
+              <a:rPr lang="nl-NL"/>
               <a:t>Klik om de modelstijlen te bewerken</a:t>
             </a:r>
           </a:p>
           <a:p>
             <a:pPr lvl="1"/>
             <a:r>
-              <a:rPr lang="nl-NL" smtClean="0"/>
+              <a:rPr lang="nl-NL"/>
               <a:t>Tweede niveau</a:t>
             </a:r>
           </a:p>
           <a:p>
             <a:pPr lvl="2"/>
             <a:r>
-              <a:rPr lang="nl-NL" smtClean="0"/>
+              <a:rPr lang="nl-NL"/>
               <a:t>Derde niveau</a:t>
             </a:r>
           </a:p>
           <a:p>
             <a:pPr lvl="3"/>
             <a:r>
-              <a:rPr lang="nl-NL" smtClean="0"/>
+              <a:rPr lang="nl-NL"/>
               <a:t>Vierde niveau</a:t>
             </a:r>
           </a:p>
           <a:p>
             <a:pPr lvl="4"/>
             <a:r>
-              <a:rPr lang="nl-NL" smtClean="0"/>
+              <a:rPr lang="nl-NL"/>
               <a:t>Vijfde niveau</a:t>
             </a:r>
-            <a:endParaRPr lang="nl-NL"/>
           </a:p>
         </p:txBody>
       </p:sp>
@@ -2326,10 +2191,9 @@
               <a:defRPr/>
             </a:pPr>
             <a:r>
-              <a:rPr lang="nl-NL" smtClean="0"/>
+              <a:rPr lang="nl-NL"/>
               <a:t>Fontys Hogeschool ICT</a:t>
             </a:r>
-            <a:endParaRPr lang="nl-NL"/>
           </a:p>
         </p:txBody>
       </p:sp>
@@ -2447,10 +2311,9 @@
           <a:lstStyle/>
           <a:p>
             <a:r>
-              <a:rPr lang="nl-NL" smtClean="0"/>
+              <a:rPr lang="nl-NL"/>
               <a:t>Klik om de stijl te bewerken</a:t>
             </a:r>
-            <a:endParaRPr lang="nl-NL"/>
           </a:p>
         </p:txBody>
       </p:sp>
@@ -2566,10 +2429,9 @@
           </a:lstStyle>
           <a:p>
             <a:r>
-              <a:rPr lang="nl-NL" smtClean="0"/>
+              <a:rPr lang="nl-NL"/>
               <a:t>Klik om de ondertitelstijl van het model te bewerken</a:t>
             </a:r>
-            <a:endParaRPr lang="nl-NL"/>
           </a:p>
         </p:txBody>
       </p:sp>
@@ -2598,7 +2460,7 @@
           <a:p>
             <a:fld id="{28C99701-F16B-452A-A655-88ADB5B2D552}" type="datetimeFigureOut">
               <a:rPr lang="nl-NL" smtClean="0"/>
-              <a:t>24-11-2016</a:t>
+              <a:t>28-12-2019</a:t>
             </a:fld>
             <a:endParaRPr lang="nl-NL"/>
           </a:p>
@@ -2629,10 +2491,9 @@
               <a:defRPr/>
             </a:pPr>
             <a:r>
-              <a:rPr lang="nl-NL" smtClean="0"/>
+              <a:rPr lang="nl-NL"/>
               <a:t>Fontys Hogeschool ICT</a:t>
             </a:r>
-            <a:endParaRPr lang="nl-NL"/>
           </a:p>
         </p:txBody>
       </p:sp>
@@ -2726,10 +2587,9 @@
           <a:lstStyle/>
           <a:p>
             <a:r>
-              <a:rPr lang="nl-NL" smtClean="0"/>
+              <a:rPr lang="nl-NL"/>
               <a:t>Klik om de stijl te bewerken</a:t>
             </a:r>
-            <a:endParaRPr lang="nl-NL"/>
           </a:p>
         </p:txBody>
       </p:sp>
@@ -2750,38 +2610,37 @@
           <a:p>
             <a:pPr lvl="0"/>
             <a:r>
-              <a:rPr lang="nl-NL" smtClean="0"/>
+              <a:rPr lang="nl-NL"/>
               <a:t>Klik om de modelstijlen te bewerken</a:t>
             </a:r>
           </a:p>
           <a:p>
             <a:pPr lvl="1"/>
             <a:r>
-              <a:rPr lang="nl-NL" smtClean="0"/>
+              <a:rPr lang="nl-NL"/>
               <a:t>Tweede niveau</a:t>
             </a:r>
           </a:p>
           <a:p>
             <a:pPr lvl="2"/>
             <a:r>
-              <a:rPr lang="nl-NL" smtClean="0"/>
+              <a:rPr lang="nl-NL"/>
               <a:t>Derde niveau</a:t>
             </a:r>
           </a:p>
           <a:p>
             <a:pPr lvl="3"/>
             <a:r>
-              <a:rPr lang="nl-NL" smtClean="0"/>
+              <a:rPr lang="nl-NL"/>
               <a:t>Vierde niveau</a:t>
             </a:r>
           </a:p>
           <a:p>
             <a:pPr lvl="4"/>
             <a:r>
-              <a:rPr lang="nl-NL" smtClean="0"/>
+              <a:rPr lang="nl-NL"/>
               <a:t>Vijfde niveau</a:t>
             </a:r>
-            <a:endParaRPr lang="nl-NL"/>
           </a:p>
         </p:txBody>
       </p:sp>
@@ -2810,7 +2669,7 @@
           <a:p>
             <a:fld id="{28C99701-F16B-452A-A655-88ADB5B2D552}" type="datetimeFigureOut">
               <a:rPr lang="nl-NL" smtClean="0"/>
-              <a:t>24-11-2016</a:t>
+              <a:t>28-12-2019</a:t>
             </a:fld>
             <a:endParaRPr lang="nl-NL"/>
           </a:p>
@@ -2841,10 +2700,9 @@
               <a:defRPr/>
             </a:pPr>
             <a:r>
-              <a:rPr lang="nl-NL" smtClean="0"/>
+              <a:rPr lang="nl-NL"/>
               <a:t>Fontys Hogeschool ICT</a:t>
             </a:r>
-            <a:endParaRPr lang="nl-NL"/>
           </a:p>
         </p:txBody>
       </p:sp>
@@ -2981,7 +2839,7 @@
           </a:lstStyle>
           <a:p>
             <a:r>
-              <a:rPr lang="nl-NL" smtClean="0"/>
+              <a:rPr lang="nl-NL"/>
               <a:t>Klik om de stijl te bewerken</a:t>
             </a:r>
             <a:endParaRPr lang="nl-NL" dirty="0"/>
@@ -3036,38 +2894,37 @@
           <a:p>
             <a:pPr lvl="0"/>
             <a:r>
-              <a:rPr lang="nl-NL" smtClean="0"/>
+              <a:rPr lang="nl-NL"/>
               <a:t>Klik om de modelstijlen te bewerken</a:t>
             </a:r>
           </a:p>
           <a:p>
             <a:pPr lvl="1"/>
             <a:r>
-              <a:rPr lang="nl-NL" smtClean="0"/>
+              <a:rPr lang="nl-NL"/>
               <a:t>Tweede niveau</a:t>
             </a:r>
           </a:p>
           <a:p>
             <a:pPr lvl="2"/>
             <a:r>
-              <a:rPr lang="nl-NL" smtClean="0"/>
+              <a:rPr lang="nl-NL"/>
               <a:t>Derde niveau</a:t>
             </a:r>
           </a:p>
           <a:p>
             <a:pPr lvl="3"/>
             <a:r>
-              <a:rPr lang="nl-NL" smtClean="0"/>
+              <a:rPr lang="nl-NL"/>
               <a:t>Vierde niveau</a:t>
             </a:r>
           </a:p>
           <a:p>
             <a:pPr lvl="4"/>
             <a:r>
-              <a:rPr lang="nl-NL" smtClean="0"/>
+              <a:rPr lang="nl-NL"/>
               <a:t>Vijfde niveau</a:t>
             </a:r>
-            <a:endParaRPr lang="nl-NL"/>
           </a:p>
         </p:txBody>
       </p:sp>
@@ -3115,10 +2972,9 @@
               <a:defRPr/>
             </a:pPr>
             <a:r>
-              <a:rPr lang="nl-NL" smtClean="0"/>
+              <a:rPr lang="nl-NL"/>
               <a:t>Fontys Hogeschool ICT</a:t>
             </a:r>
-            <a:endParaRPr lang="nl-NL"/>
           </a:p>
         </p:txBody>
       </p:sp>
@@ -3200,10 +3056,9 @@
           <a:lstStyle/>
           <a:p>
             <a:r>
-              <a:rPr lang="nl-NL" smtClean="0"/>
+              <a:rPr lang="nl-NL"/>
               <a:t>Klik om de stijl te bewerken</a:t>
             </a:r>
-            <a:endParaRPr lang="nl-NL"/>
           </a:p>
         </p:txBody>
       </p:sp>
@@ -3288,38 +3143,37 @@
           <a:p>
             <a:pPr lvl="0"/>
             <a:r>
-              <a:rPr lang="nl-NL" smtClean="0"/>
+              <a:rPr lang="nl-NL"/>
               <a:t>Klik om de modelstijlen te bewerken</a:t>
             </a:r>
           </a:p>
           <a:p>
             <a:pPr lvl="1"/>
             <a:r>
-              <a:rPr lang="nl-NL" smtClean="0"/>
+              <a:rPr lang="nl-NL"/>
               <a:t>Tweede niveau</a:t>
             </a:r>
           </a:p>
           <a:p>
             <a:pPr lvl="2"/>
             <a:r>
-              <a:rPr lang="nl-NL" smtClean="0"/>
+              <a:rPr lang="nl-NL"/>
               <a:t>Derde niveau</a:t>
             </a:r>
           </a:p>
           <a:p>
             <a:pPr lvl="3"/>
             <a:r>
-              <a:rPr lang="nl-NL" smtClean="0"/>
+              <a:rPr lang="nl-NL"/>
               <a:t>Vierde niveau</a:t>
             </a:r>
           </a:p>
           <a:p>
             <a:pPr lvl="4"/>
             <a:r>
-              <a:rPr lang="nl-NL" smtClean="0"/>
+              <a:rPr lang="nl-NL"/>
               <a:t>Vijfde niveau</a:t>
             </a:r>
-            <a:endParaRPr lang="nl-NL"/>
           </a:p>
         </p:txBody>
       </p:sp>
@@ -3367,10 +3221,9 @@
               <a:defRPr/>
             </a:pPr>
             <a:r>
-              <a:rPr lang="nl-NL" smtClean="0"/>
+              <a:rPr lang="nl-NL"/>
               <a:t>Fontys Hogeschool ICT</a:t>
             </a:r>
-            <a:endParaRPr lang="nl-NL"/>
           </a:p>
         </p:txBody>
       </p:sp>
@@ -3488,10 +3341,9 @@
           <a:lstStyle/>
           <a:p>
             <a:r>
-              <a:rPr lang="en-US" smtClean="0"/>
+              <a:rPr lang="en-US"/>
               <a:t>Click to edit Master title style</a:t>
             </a:r>
-            <a:endParaRPr lang="en-US"/>
           </a:p>
         </p:txBody>
       </p:sp>
@@ -3553,10 +3405,9 @@
           </a:lstStyle>
           <a:p>
             <a:r>
-              <a:rPr lang="en-US" smtClean="0"/>
+              <a:rPr lang="en-US"/>
               <a:t>Click to edit Master subtitle style</a:t>
             </a:r>
-            <a:endParaRPr lang="en-US"/>
           </a:p>
         </p:txBody>
       </p:sp>
@@ -3595,7 +3446,7 @@
               <a:pPr>
                 <a:defRPr/>
               </a:pPr>
-              <a:t>24-11-2016</a:t>
+              <a:t>28-12-2019</a:t>
             </a:fld>
             <a:endParaRPr lang="nl-NL" b="0">
               <a:solidFill>
@@ -3722,38 +3573,37 @@
           <a:p>
             <a:pPr lvl="0"/>
             <a:r>
-              <a:rPr lang="nl-NL" smtClean="0"/>
+              <a:rPr lang="nl-NL"/>
               <a:t>Klik om de modelstijlen te bewerken</a:t>
             </a:r>
           </a:p>
           <a:p>
             <a:pPr lvl="1"/>
             <a:r>
-              <a:rPr lang="nl-NL" smtClean="0"/>
+              <a:rPr lang="nl-NL"/>
               <a:t>Tweede niveau</a:t>
             </a:r>
           </a:p>
           <a:p>
             <a:pPr lvl="2"/>
             <a:r>
-              <a:rPr lang="nl-NL" smtClean="0"/>
+              <a:rPr lang="nl-NL"/>
               <a:t>Derde niveau</a:t>
             </a:r>
           </a:p>
           <a:p>
             <a:pPr lvl="3"/>
             <a:r>
-              <a:rPr lang="nl-NL" smtClean="0"/>
+              <a:rPr lang="nl-NL"/>
               <a:t>Vierde niveau</a:t>
             </a:r>
           </a:p>
           <a:p>
             <a:pPr lvl="4"/>
             <a:r>
-              <a:rPr lang="nl-NL" smtClean="0"/>
+              <a:rPr lang="nl-NL"/>
               <a:t>Vijfde niveau</a:t>
             </a:r>
-            <a:endParaRPr lang="nl-NL"/>
           </a:p>
         </p:txBody>
       </p:sp>
@@ -3801,10 +3651,9 @@
               <a:defRPr/>
             </a:pPr>
             <a:r>
-              <a:rPr lang="nl-NL" smtClean="0"/>
+              <a:rPr lang="nl-NL"/>
               <a:t>Fontys Hogeschool ICT</a:t>
             </a:r>
-            <a:endParaRPr lang="nl-NL"/>
           </a:p>
         </p:txBody>
       </p:sp>
@@ -3886,10 +3735,9 @@
           <a:lstStyle/>
           <a:p>
             <a:r>
-              <a:rPr lang="nl-NL" smtClean="0"/>
+              <a:rPr lang="nl-NL"/>
               <a:t>Klik om de stijl te bewerken</a:t>
             </a:r>
-            <a:endParaRPr lang="nl-NL"/>
           </a:p>
         </p:txBody>
       </p:sp>
@@ -3940,10 +3788,9 @@
           <a:lstStyle/>
           <a:p>
             <a:r>
-              <a:rPr lang="en-US" smtClean="0"/>
+              <a:rPr lang="en-US"/>
               <a:t>Click to edit Master title style</a:t>
             </a:r>
-            <a:endParaRPr lang="en-US"/>
           </a:p>
         </p:txBody>
       </p:sp>
@@ -3964,38 +3811,37 @@
           <a:p>
             <a:pPr lvl="0"/>
             <a:r>
-              <a:rPr lang="en-US" smtClean="0"/>
+              <a:rPr lang="en-US"/>
               <a:t>Click to edit Master text styles</a:t>
             </a:r>
           </a:p>
           <a:p>
             <a:pPr lvl="1"/>
             <a:r>
-              <a:rPr lang="en-US" smtClean="0"/>
+              <a:rPr lang="en-US"/>
               <a:t>Second level</a:t>
             </a:r>
           </a:p>
           <a:p>
             <a:pPr lvl="2"/>
             <a:r>
-              <a:rPr lang="en-US" smtClean="0"/>
+              <a:rPr lang="en-US"/>
               <a:t>Third level</a:t>
             </a:r>
           </a:p>
           <a:p>
             <a:pPr lvl="3"/>
             <a:r>
-              <a:rPr lang="en-US" smtClean="0"/>
+              <a:rPr lang="en-US"/>
               <a:t>Fourth level</a:t>
             </a:r>
           </a:p>
           <a:p>
             <a:pPr lvl="4"/>
             <a:r>
-              <a:rPr lang="en-US" smtClean="0"/>
+              <a:rPr lang="en-US"/>
               <a:t>Fifth level</a:t>
             </a:r>
-            <a:endParaRPr lang="en-US"/>
           </a:p>
         </p:txBody>
       </p:sp>
@@ -4034,7 +3880,7 @@
               <a:pPr>
                 <a:defRPr/>
               </a:pPr>
-              <a:t>24-11-2016</a:t>
+              <a:t>28-12-2019</a:t>
             </a:fld>
             <a:endParaRPr lang="nl-NL" b="0">
               <a:solidFill>
@@ -4203,7 +4049,7 @@
           </a:lstStyle>
           <a:p>
             <a:r>
-              <a:rPr lang="nl-NL" smtClean="0"/>
+              <a:rPr lang="nl-NL"/>
               <a:t>Klik om de stijl te bewerken</a:t>
             </a:r>
             <a:endParaRPr lang="nl-NL" dirty="0"/>
@@ -4258,38 +4104,37 @@
           <a:p>
             <a:pPr lvl="0"/>
             <a:r>
-              <a:rPr lang="nl-NL" smtClean="0"/>
+              <a:rPr lang="nl-NL"/>
               <a:t>Klik om de modelstijlen te bewerken</a:t>
             </a:r>
           </a:p>
           <a:p>
             <a:pPr lvl="1"/>
             <a:r>
-              <a:rPr lang="nl-NL" smtClean="0"/>
+              <a:rPr lang="nl-NL"/>
               <a:t>Tweede niveau</a:t>
             </a:r>
           </a:p>
           <a:p>
             <a:pPr lvl="2"/>
             <a:r>
-              <a:rPr lang="nl-NL" smtClean="0"/>
+              <a:rPr lang="nl-NL"/>
               <a:t>Derde niveau</a:t>
             </a:r>
           </a:p>
           <a:p>
             <a:pPr lvl="3"/>
             <a:r>
-              <a:rPr lang="nl-NL" smtClean="0"/>
+              <a:rPr lang="nl-NL"/>
               <a:t>Vierde niveau</a:t>
             </a:r>
           </a:p>
           <a:p>
             <a:pPr lvl="4"/>
             <a:r>
-              <a:rPr lang="nl-NL" smtClean="0"/>
+              <a:rPr lang="nl-NL"/>
               <a:t>Vijfde niveau</a:t>
             </a:r>
-            <a:endParaRPr lang="nl-NL"/>
           </a:p>
         </p:txBody>
       </p:sp>
@@ -4337,10 +4182,9 @@
               <a:defRPr/>
             </a:pPr>
             <a:r>
-              <a:rPr lang="nl-NL" smtClean="0"/>
+              <a:rPr lang="nl-NL"/>
               <a:t>Fontys Hogeschool ICT</a:t>
             </a:r>
-            <a:endParaRPr lang="nl-NL"/>
           </a:p>
         </p:txBody>
       </p:sp>
@@ -4422,10 +4266,9 @@
           <a:lstStyle/>
           <a:p>
             <a:r>
-              <a:rPr lang="nl-NL" smtClean="0"/>
+              <a:rPr lang="nl-NL"/>
               <a:t>Klik om de stijl te bewerken</a:t>
             </a:r>
-            <a:endParaRPr lang="nl-NL"/>
           </a:p>
         </p:txBody>
       </p:sp>
@@ -4510,38 +4353,37 @@
           <a:p>
             <a:pPr lvl="0"/>
             <a:r>
-              <a:rPr lang="nl-NL" smtClean="0"/>
+              <a:rPr lang="nl-NL"/>
               <a:t>Klik om de modelstijlen te bewerken</a:t>
             </a:r>
           </a:p>
           <a:p>
             <a:pPr lvl="1"/>
             <a:r>
-              <a:rPr lang="nl-NL" smtClean="0"/>
+              <a:rPr lang="nl-NL"/>
               <a:t>Tweede niveau</a:t>
             </a:r>
           </a:p>
           <a:p>
             <a:pPr lvl="2"/>
             <a:r>
-              <a:rPr lang="nl-NL" smtClean="0"/>
+              <a:rPr lang="nl-NL"/>
               <a:t>Derde niveau</a:t>
             </a:r>
           </a:p>
           <a:p>
             <a:pPr lvl="3"/>
             <a:r>
-              <a:rPr lang="nl-NL" smtClean="0"/>
+              <a:rPr lang="nl-NL"/>
               <a:t>Vierde niveau</a:t>
             </a:r>
           </a:p>
           <a:p>
             <a:pPr lvl="4"/>
             <a:r>
-              <a:rPr lang="nl-NL" smtClean="0"/>
+              <a:rPr lang="nl-NL"/>
               <a:t>Vijfde niveau</a:t>
             </a:r>
-            <a:endParaRPr lang="nl-NL"/>
           </a:p>
         </p:txBody>
       </p:sp>
@@ -4589,10 +4431,9 @@
               <a:defRPr/>
             </a:pPr>
             <a:r>
-              <a:rPr lang="nl-NL" smtClean="0"/>
+              <a:rPr lang="nl-NL"/>
               <a:t>Fontys Hogeschool ICT</a:t>
             </a:r>
-            <a:endParaRPr lang="nl-NL"/>
           </a:p>
         </p:txBody>
       </p:sp>
@@ -4710,10 +4551,9 @@
           <a:lstStyle/>
           <a:p>
             <a:r>
-              <a:rPr lang="en-US" smtClean="0"/>
+              <a:rPr lang="en-US"/>
               <a:t>Click to edit Master title style</a:t>
             </a:r>
-            <a:endParaRPr lang="en-US"/>
           </a:p>
         </p:txBody>
       </p:sp>
@@ -4775,10 +4615,9 @@
           </a:lstStyle>
           <a:p>
             <a:r>
-              <a:rPr lang="en-US" smtClean="0"/>
+              <a:rPr lang="en-US"/>
               <a:t>Click to edit Master subtitle style</a:t>
             </a:r>
-            <a:endParaRPr lang="en-US"/>
           </a:p>
         </p:txBody>
       </p:sp>
@@ -4817,7 +4656,7 @@
               <a:pPr>
                 <a:defRPr/>
               </a:pPr>
-              <a:t>24-11-2016</a:t>
+              <a:t>28-12-2019</a:t>
             </a:fld>
             <a:endParaRPr lang="nl-NL" b="0">
               <a:solidFill>
@@ -4943,10 +4782,9 @@
           <a:lstStyle/>
           <a:p>
             <a:r>
-              <a:rPr lang="en-US" smtClean="0"/>
+              <a:rPr lang="en-US"/>
               <a:t>Click to edit Master title style</a:t>
             </a:r>
-            <a:endParaRPr lang="en-US"/>
           </a:p>
         </p:txBody>
       </p:sp>
@@ -4967,38 +4805,37 @@
           <a:p>
             <a:pPr lvl="0"/>
             <a:r>
-              <a:rPr lang="en-US" smtClean="0"/>
+              <a:rPr lang="en-US"/>
               <a:t>Click to edit Master text styles</a:t>
             </a:r>
           </a:p>
           <a:p>
             <a:pPr lvl="1"/>
             <a:r>
-              <a:rPr lang="en-US" smtClean="0"/>
+              <a:rPr lang="en-US"/>
               <a:t>Second level</a:t>
             </a:r>
           </a:p>
           <a:p>
             <a:pPr lvl="2"/>
             <a:r>
-              <a:rPr lang="en-US" smtClean="0"/>
+              <a:rPr lang="en-US"/>
               <a:t>Third level</a:t>
             </a:r>
           </a:p>
           <a:p>
             <a:pPr lvl="3"/>
             <a:r>
-              <a:rPr lang="en-US" smtClean="0"/>
+              <a:rPr lang="en-US"/>
               <a:t>Fourth level</a:t>
             </a:r>
           </a:p>
           <a:p>
             <a:pPr lvl="4"/>
             <a:r>
-              <a:rPr lang="en-US" smtClean="0"/>
+              <a:rPr lang="en-US"/>
               <a:t>Fifth level</a:t>
             </a:r>
-            <a:endParaRPr lang="en-US"/>
           </a:p>
         </p:txBody>
       </p:sp>
@@ -5037,7 +4874,7 @@
               <a:pPr>
                 <a:defRPr/>
               </a:pPr>
-              <a:t>24-11-2016</a:t>
+              <a:t>28-12-2019</a:t>
             </a:fld>
             <a:endParaRPr lang="nl-NL" b="0">
               <a:solidFill>
@@ -5206,7 +5043,7 @@
           </a:lstStyle>
           <a:p>
             <a:r>
-              <a:rPr lang="nl-NL" smtClean="0"/>
+              <a:rPr lang="nl-NL"/>
               <a:t>Klik om de stijl te bewerken</a:t>
             </a:r>
             <a:endParaRPr lang="nl-NL" dirty="0"/>
@@ -5261,38 +5098,37 @@
           <a:p>
             <a:pPr lvl="0"/>
             <a:r>
-              <a:rPr lang="nl-NL" smtClean="0"/>
+              <a:rPr lang="nl-NL"/>
               <a:t>Klik om de modelstijlen te bewerken</a:t>
             </a:r>
           </a:p>
           <a:p>
             <a:pPr lvl="1"/>
             <a:r>
-              <a:rPr lang="nl-NL" smtClean="0"/>
+              <a:rPr lang="nl-NL"/>
               <a:t>Tweede niveau</a:t>
             </a:r>
           </a:p>
           <a:p>
             <a:pPr lvl="2"/>
             <a:r>
-              <a:rPr lang="nl-NL" smtClean="0"/>
+              <a:rPr lang="nl-NL"/>
               <a:t>Derde niveau</a:t>
             </a:r>
           </a:p>
           <a:p>
             <a:pPr lvl="3"/>
             <a:r>
-              <a:rPr lang="nl-NL" smtClean="0"/>
+              <a:rPr lang="nl-NL"/>
               <a:t>Vierde niveau</a:t>
             </a:r>
           </a:p>
           <a:p>
             <a:pPr lvl="4"/>
             <a:r>
-              <a:rPr lang="nl-NL" smtClean="0"/>
+              <a:rPr lang="nl-NL"/>
               <a:t>Vijfde niveau</a:t>
             </a:r>
-            <a:endParaRPr lang="nl-NL"/>
           </a:p>
         </p:txBody>
       </p:sp>
@@ -5340,10 +5176,9 @@
               <a:defRPr/>
             </a:pPr>
             <a:r>
-              <a:rPr lang="nl-NL" smtClean="0"/>
+              <a:rPr lang="nl-NL"/>
               <a:t>Fontys Hogeschool ICT</a:t>
             </a:r>
-            <a:endParaRPr lang="nl-NL"/>
           </a:p>
         </p:txBody>
       </p:sp>
@@ -5425,10 +5260,9 @@
           <a:lstStyle/>
           <a:p>
             <a:r>
-              <a:rPr lang="nl-NL" smtClean="0"/>
+              <a:rPr lang="nl-NL"/>
               <a:t>Klik om de stijl te bewerken</a:t>
             </a:r>
-            <a:endParaRPr lang="nl-NL"/>
           </a:p>
         </p:txBody>
       </p:sp>
@@ -5513,38 +5347,37 @@
           <a:p>
             <a:pPr lvl="0"/>
             <a:r>
-              <a:rPr lang="nl-NL" smtClean="0"/>
+              <a:rPr lang="nl-NL"/>
               <a:t>Klik om de modelstijlen te bewerken</a:t>
             </a:r>
           </a:p>
           <a:p>
             <a:pPr lvl="1"/>
             <a:r>
-              <a:rPr lang="nl-NL" smtClean="0"/>
+              <a:rPr lang="nl-NL"/>
               <a:t>Tweede niveau</a:t>
             </a:r>
           </a:p>
           <a:p>
             <a:pPr lvl="2"/>
             <a:r>
-              <a:rPr lang="nl-NL" smtClean="0"/>
+              <a:rPr lang="nl-NL"/>
               <a:t>Derde niveau</a:t>
             </a:r>
           </a:p>
           <a:p>
             <a:pPr lvl="3"/>
             <a:r>
-              <a:rPr lang="nl-NL" smtClean="0"/>
+              <a:rPr lang="nl-NL"/>
               <a:t>Vierde niveau</a:t>
             </a:r>
           </a:p>
           <a:p>
             <a:pPr lvl="4"/>
             <a:r>
-              <a:rPr lang="nl-NL" smtClean="0"/>
+              <a:rPr lang="nl-NL"/>
               <a:t>Vijfde niveau</a:t>
             </a:r>
-            <a:endParaRPr lang="nl-NL"/>
           </a:p>
         </p:txBody>
       </p:sp>
@@ -5592,10 +5425,9 @@
               <a:defRPr/>
             </a:pPr>
             <a:r>
-              <a:rPr lang="nl-NL" smtClean="0"/>
+              <a:rPr lang="nl-NL"/>
               <a:t>Fontys Hogeschool ICT</a:t>
             </a:r>
-            <a:endParaRPr lang="nl-NL"/>
           </a:p>
         </p:txBody>
       </p:sp>
@@ -5742,38 +5574,37 @@
           <a:p>
             <a:pPr lvl="0"/>
             <a:r>
-              <a:rPr lang="nl-NL" smtClean="0"/>
+              <a:rPr lang="nl-NL"/>
               <a:t>Klik om de modelstijlen te bewerken</a:t>
             </a:r>
           </a:p>
           <a:p>
             <a:pPr lvl="1"/>
             <a:r>
-              <a:rPr lang="nl-NL" smtClean="0"/>
+              <a:rPr lang="nl-NL"/>
               <a:t>Tweede niveau</a:t>
             </a:r>
           </a:p>
           <a:p>
             <a:pPr lvl="2"/>
             <a:r>
-              <a:rPr lang="nl-NL" smtClean="0"/>
+              <a:rPr lang="nl-NL"/>
               <a:t>Derde niveau</a:t>
             </a:r>
           </a:p>
           <a:p>
             <a:pPr lvl="3"/>
             <a:r>
-              <a:rPr lang="nl-NL" smtClean="0"/>
+              <a:rPr lang="nl-NL"/>
               <a:t>Vierde niveau</a:t>
             </a:r>
           </a:p>
           <a:p>
             <a:pPr lvl="4"/>
             <a:r>
-              <a:rPr lang="nl-NL" smtClean="0"/>
+              <a:rPr lang="nl-NL"/>
               <a:t>Vijfde niveau</a:t>
             </a:r>
-            <a:endParaRPr lang="nl-NL"/>
           </a:p>
         </p:txBody>
       </p:sp>
@@ -5821,10 +5652,9 @@
               <a:defRPr/>
             </a:pPr>
             <a:r>
-              <a:rPr lang="nl-NL" smtClean="0"/>
+              <a:rPr lang="nl-NL"/>
               <a:t>Fontys Hogeschool ICT</a:t>
             </a:r>
-            <a:endParaRPr lang="nl-NL"/>
           </a:p>
         </p:txBody>
       </p:sp>
@@ -5942,10 +5772,9 @@
           <a:lstStyle/>
           <a:p>
             <a:r>
-              <a:rPr lang="en-US" smtClean="0"/>
+              <a:rPr lang="en-US"/>
               <a:t>Click to edit Master title style</a:t>
             </a:r>
-            <a:endParaRPr lang="en-US"/>
           </a:p>
         </p:txBody>
       </p:sp>
@@ -6007,10 +5836,9 @@
           </a:lstStyle>
           <a:p>
             <a:r>
-              <a:rPr lang="en-US" smtClean="0"/>
+              <a:rPr lang="en-US"/>
               <a:t>Click to edit Master subtitle style</a:t>
             </a:r>
-            <a:endParaRPr lang="en-US"/>
           </a:p>
         </p:txBody>
       </p:sp>
@@ -6049,7 +5877,7 @@
               <a:pPr>
                 <a:defRPr/>
               </a:pPr>
-              <a:t>24-11-2016</a:t>
+              <a:t>28-12-2019</a:t>
             </a:fld>
             <a:endParaRPr lang="nl-NL" b="0">
               <a:solidFill>
@@ -6175,10 +6003,9 @@
           <a:lstStyle/>
           <a:p>
             <a:r>
-              <a:rPr lang="en-US" smtClean="0"/>
+              <a:rPr lang="en-US"/>
               <a:t>Click to edit Master title style</a:t>
             </a:r>
-            <a:endParaRPr lang="en-US"/>
           </a:p>
         </p:txBody>
       </p:sp>
@@ -6199,38 +6026,37 @@
           <a:p>
             <a:pPr lvl="0"/>
             <a:r>
-              <a:rPr lang="en-US" smtClean="0"/>
+              <a:rPr lang="en-US"/>
               <a:t>Click to edit Master text styles</a:t>
             </a:r>
           </a:p>
           <a:p>
             <a:pPr lvl="1"/>
             <a:r>
-              <a:rPr lang="en-US" smtClean="0"/>
+              <a:rPr lang="en-US"/>
               <a:t>Second level</a:t>
             </a:r>
           </a:p>
           <a:p>
             <a:pPr lvl="2"/>
             <a:r>
-              <a:rPr lang="en-US" smtClean="0"/>
+              <a:rPr lang="en-US"/>
               <a:t>Third level</a:t>
             </a:r>
           </a:p>
           <a:p>
             <a:pPr lvl="3"/>
             <a:r>
-              <a:rPr lang="en-US" smtClean="0"/>
+              <a:rPr lang="en-US"/>
               <a:t>Fourth level</a:t>
             </a:r>
           </a:p>
           <a:p>
             <a:pPr lvl="4"/>
             <a:r>
-              <a:rPr lang="en-US" smtClean="0"/>
+              <a:rPr lang="en-US"/>
               <a:t>Fifth level</a:t>
             </a:r>
-            <a:endParaRPr lang="en-US"/>
           </a:p>
         </p:txBody>
       </p:sp>
@@ -6269,7 +6095,7 @@
               <a:pPr>
                 <a:defRPr/>
               </a:pPr>
-              <a:t>24-11-2016</a:t>
+              <a:t>28-12-2019</a:t>
             </a:fld>
             <a:endParaRPr lang="nl-NL" b="0">
               <a:solidFill>
@@ -6438,7 +6264,7 @@
           </a:lstStyle>
           <a:p>
             <a:r>
-              <a:rPr lang="nl-NL" smtClean="0"/>
+              <a:rPr lang="nl-NL"/>
               <a:t>Klik om de stijl te bewerken</a:t>
             </a:r>
             <a:endParaRPr lang="nl-NL" dirty="0"/>
@@ -6493,38 +6319,37 @@
           <a:p>
             <a:pPr lvl="0"/>
             <a:r>
-              <a:rPr lang="nl-NL" smtClean="0"/>
+              <a:rPr lang="nl-NL"/>
               <a:t>Klik om de modelstijlen te bewerken</a:t>
             </a:r>
           </a:p>
           <a:p>
             <a:pPr lvl="1"/>
             <a:r>
-              <a:rPr lang="nl-NL" smtClean="0"/>
+              <a:rPr lang="nl-NL"/>
               <a:t>Tweede niveau</a:t>
             </a:r>
           </a:p>
           <a:p>
             <a:pPr lvl="2"/>
             <a:r>
-              <a:rPr lang="nl-NL" smtClean="0"/>
+              <a:rPr lang="nl-NL"/>
               <a:t>Derde niveau</a:t>
             </a:r>
           </a:p>
           <a:p>
             <a:pPr lvl="3"/>
             <a:r>
-              <a:rPr lang="nl-NL" smtClean="0"/>
+              <a:rPr lang="nl-NL"/>
               <a:t>Vierde niveau</a:t>
             </a:r>
           </a:p>
           <a:p>
             <a:pPr lvl="4"/>
             <a:r>
-              <a:rPr lang="nl-NL" smtClean="0"/>
+              <a:rPr lang="nl-NL"/>
               <a:t>Vijfde niveau</a:t>
             </a:r>
-            <a:endParaRPr lang="nl-NL"/>
           </a:p>
         </p:txBody>
       </p:sp>
@@ -6572,10 +6397,9 @@
               <a:defRPr/>
             </a:pPr>
             <a:r>
-              <a:rPr lang="nl-NL" smtClean="0"/>
+              <a:rPr lang="nl-NL"/>
               <a:t>Fontys Hogeschool ICT</a:t>
             </a:r>
-            <a:endParaRPr lang="nl-NL"/>
           </a:p>
         </p:txBody>
       </p:sp>
@@ -6657,10 +6481,9 @@
           <a:lstStyle/>
           <a:p>
             <a:r>
-              <a:rPr lang="nl-NL" smtClean="0"/>
+              <a:rPr lang="nl-NL"/>
               <a:t>Klik om de stijl te bewerken</a:t>
             </a:r>
-            <a:endParaRPr lang="nl-NL"/>
           </a:p>
         </p:txBody>
       </p:sp>
@@ -6745,38 +6568,37 @@
           <a:p>
             <a:pPr lvl="0"/>
             <a:r>
-              <a:rPr lang="nl-NL" smtClean="0"/>
+              <a:rPr lang="nl-NL"/>
               <a:t>Klik om de modelstijlen te bewerken</a:t>
             </a:r>
           </a:p>
           <a:p>
             <a:pPr lvl="1"/>
             <a:r>
-              <a:rPr lang="nl-NL" smtClean="0"/>
+              <a:rPr lang="nl-NL"/>
               <a:t>Tweede niveau</a:t>
             </a:r>
           </a:p>
           <a:p>
             <a:pPr lvl="2"/>
             <a:r>
-              <a:rPr lang="nl-NL" smtClean="0"/>
+              <a:rPr lang="nl-NL"/>
               <a:t>Derde niveau</a:t>
             </a:r>
           </a:p>
           <a:p>
             <a:pPr lvl="3"/>
             <a:r>
-              <a:rPr lang="nl-NL" smtClean="0"/>
+              <a:rPr lang="nl-NL"/>
               <a:t>Vierde niveau</a:t>
             </a:r>
           </a:p>
           <a:p>
             <a:pPr lvl="4"/>
             <a:r>
-              <a:rPr lang="nl-NL" smtClean="0"/>
+              <a:rPr lang="nl-NL"/>
               <a:t>Vijfde niveau</a:t>
             </a:r>
-            <a:endParaRPr lang="nl-NL"/>
           </a:p>
         </p:txBody>
       </p:sp>
@@ -6824,10 +6646,9 @@
               <a:defRPr/>
             </a:pPr>
             <a:r>
-              <a:rPr lang="nl-NL" smtClean="0"/>
+              <a:rPr lang="nl-NL"/>
               <a:t>Fontys Hogeschool ICT</a:t>
             </a:r>
-            <a:endParaRPr lang="nl-NL"/>
           </a:p>
         </p:txBody>
       </p:sp>
@@ -6945,10 +6766,9 @@
           <a:lstStyle/>
           <a:p>
             <a:r>
-              <a:rPr lang="en-US" smtClean="0"/>
+              <a:rPr lang="en-US"/>
               <a:t>Click to edit Master title style</a:t>
             </a:r>
-            <a:endParaRPr lang="en-US"/>
           </a:p>
         </p:txBody>
       </p:sp>
@@ -7010,10 +6830,9 @@
           </a:lstStyle>
           <a:p>
             <a:r>
-              <a:rPr lang="en-US" smtClean="0"/>
+              <a:rPr lang="en-US"/>
               <a:t>Click to edit Master subtitle style</a:t>
             </a:r>
-            <a:endParaRPr lang="en-US"/>
           </a:p>
         </p:txBody>
       </p:sp>
@@ -7052,7 +6871,7 @@
               <a:pPr>
                 <a:defRPr/>
               </a:pPr>
-              <a:t>24-11-2016</a:t>
+              <a:t>28-12-2019</a:t>
             </a:fld>
             <a:endParaRPr lang="nl-NL" b="0">
               <a:solidFill>
@@ -7223,7 +7042,7 @@
               </a14:hiddenEffects>
             </a:ext>
             <a:ext uri="{FAA26D3D-D897-4be2-8F04-BA451C77F1D7}">
-              <ma14:placeholderFlag xmlns="" xmlns:ma14="http://schemas.microsoft.com/office/mac/drawingml/2011/main" val="1"/>
+              <ma14:placeholderFlag xmlns:ma14="http://schemas.microsoft.com/office/mac/drawingml/2011/main" xmlns="" val="1"/>
             </a:ext>
           </a:extLst>
         </p:spPr>
@@ -7297,10 +7116,9 @@
               <a:defRPr/>
             </a:pPr>
             <a:r>
-              <a:rPr lang="nl-NL" smtClean="0"/>
+              <a:rPr lang="nl-NL"/>
               <a:t>Fontys Hogeschool ICT</a:t>
             </a:r>
-            <a:endParaRPr lang="nl-NL"/>
           </a:p>
         </p:txBody>
       </p:sp>
@@ -7449,7 +7267,7 @@
               </a14:hiddenEffects>
             </a:ext>
             <a:ext uri="{FAA26D3D-D897-4be2-8F04-BA451C77F1D7}">
-              <ma14:placeholderFlag xmlns="" xmlns:ma14="http://schemas.microsoft.com/office/mac/drawingml/2011/main" val="1"/>
+              <ma14:placeholderFlag xmlns:ma14="http://schemas.microsoft.com/office/mac/drawingml/2011/main" xmlns="" val="1"/>
             </a:ext>
           </a:extLst>
         </p:spPr>
@@ -7576,13 +7394,6 @@
     <p:sldLayoutId id="2147484013" r:id="rId4"/>
     <p:sldLayoutId id="2147484014" r:id="rId5"/>
   </p:sldLayoutIdLst>
-  <p:timing>
-    <p:tnLst>
-      <p:par>
-        <p:cTn id="1" dur="indefinite" restart="never" nodeType="tmRoot"/>
-      </p:par>
-    </p:tnLst>
-  </p:timing>
   <p:hf sldNum="0" hdr="0" dt="0"/>
   <p:txStyles>
     <p:titleStyle>
@@ -8051,7 +7862,7 @@
               </a14:hiddenEffects>
             </a:ext>
             <a:ext uri="{FAA26D3D-D897-4be2-8F04-BA451C77F1D7}">
-              <ma14:placeholderFlag xmlns="" xmlns:ma14="http://schemas.microsoft.com/office/mac/drawingml/2011/main" val="1"/>
+              <ma14:placeholderFlag xmlns:ma14="http://schemas.microsoft.com/office/mac/drawingml/2011/main" xmlns="" val="1"/>
             </a:ext>
           </a:extLst>
         </p:spPr>
@@ -8125,10 +7936,9 @@
               <a:defRPr/>
             </a:pPr>
             <a:r>
-              <a:rPr lang="nl-NL" smtClean="0"/>
+              <a:rPr lang="nl-NL"/>
               <a:t>Fontys Hogeschool ICT</a:t>
             </a:r>
-            <a:endParaRPr lang="nl-NL"/>
           </a:p>
         </p:txBody>
       </p:sp>
@@ -8277,7 +8087,7 @@
               </a14:hiddenEffects>
             </a:ext>
             <a:ext uri="{FAA26D3D-D897-4be2-8F04-BA451C77F1D7}">
-              <ma14:placeholderFlag xmlns="" xmlns:ma14="http://schemas.microsoft.com/office/mac/drawingml/2011/main" val="1"/>
+              <ma14:placeholderFlag xmlns:ma14="http://schemas.microsoft.com/office/mac/drawingml/2011/main" xmlns="" val="1"/>
             </a:ext>
           </a:extLst>
         </p:spPr>
@@ -8404,13 +8214,6 @@
     <p:sldLayoutId id="2147484019" r:id="rId4"/>
     <p:sldLayoutId id="2147484020" r:id="rId5"/>
   </p:sldLayoutIdLst>
-  <p:timing>
-    <p:tnLst>
-      <p:par>
-        <p:cTn id="1" dur="indefinite" restart="never" nodeType="tmRoot"/>
-      </p:par>
-    </p:tnLst>
-  </p:timing>
   <p:hf sldNum="0" hdr="0" dt="0"/>
   <p:txStyles>
     <p:titleStyle>
@@ -8879,7 +8682,7 @@
               </a14:hiddenEffects>
             </a:ext>
             <a:ext uri="{FAA26D3D-D897-4be2-8F04-BA451C77F1D7}">
-              <ma14:placeholderFlag xmlns="" xmlns:ma14="http://schemas.microsoft.com/office/mac/drawingml/2011/main" val="1"/>
+              <ma14:placeholderFlag xmlns:ma14="http://schemas.microsoft.com/office/mac/drawingml/2011/main" xmlns="" val="1"/>
             </a:ext>
           </a:extLst>
         </p:spPr>
@@ -8953,10 +8756,9 @@
               <a:defRPr/>
             </a:pPr>
             <a:r>
-              <a:rPr lang="nl-NL" smtClean="0"/>
+              <a:rPr lang="nl-NL"/>
               <a:t>Fontys Hogeschool ICT</a:t>
             </a:r>
-            <a:endParaRPr lang="nl-NL"/>
           </a:p>
         </p:txBody>
       </p:sp>
@@ -9105,7 +8907,7 @@
               </a14:hiddenEffects>
             </a:ext>
             <a:ext uri="{FAA26D3D-D897-4be2-8F04-BA451C77F1D7}">
-              <ma14:placeholderFlag xmlns="" xmlns:ma14="http://schemas.microsoft.com/office/mac/drawingml/2011/main" val="1"/>
+              <ma14:placeholderFlag xmlns:ma14="http://schemas.microsoft.com/office/mac/drawingml/2011/main" xmlns="" val="1"/>
             </a:ext>
           </a:extLst>
         </p:spPr>
@@ -9232,13 +9034,6 @@
     <p:sldLayoutId id="2147484037" r:id="rId4"/>
     <p:sldLayoutId id="2147484038" r:id="rId5"/>
   </p:sldLayoutIdLst>
-  <p:timing>
-    <p:tnLst>
-      <p:par>
-        <p:cTn id="1" dur="indefinite" restart="never" nodeType="tmRoot"/>
-      </p:par>
-    </p:tnLst>
-  </p:timing>
   <p:hf sldNum="0" hdr="0" dt="0"/>
   <p:txStyles>
     <p:titleStyle>
@@ -9707,7 +9502,7 @@
               </a14:hiddenEffects>
             </a:ext>
             <a:ext uri="{FAA26D3D-D897-4be2-8F04-BA451C77F1D7}">
-              <ma14:placeholderFlag xmlns="" xmlns:ma14="http://schemas.microsoft.com/office/mac/drawingml/2011/main" val="1"/>
+              <ma14:placeholderFlag xmlns:ma14="http://schemas.microsoft.com/office/mac/drawingml/2011/main" xmlns="" val="1"/>
             </a:ext>
           </a:extLst>
         </p:spPr>
@@ -9781,10 +9576,9 @@
               <a:defRPr/>
             </a:pPr>
             <a:r>
-              <a:rPr lang="nl-NL" smtClean="0"/>
+              <a:rPr lang="nl-NL"/>
               <a:t>Fontys Hogeschool ICT</a:t>
             </a:r>
-            <a:endParaRPr lang="nl-NL"/>
           </a:p>
         </p:txBody>
       </p:sp>
@@ -9933,7 +9727,7 @@
               </a14:hiddenEffects>
             </a:ext>
             <a:ext uri="{FAA26D3D-D897-4be2-8F04-BA451C77F1D7}">
-              <ma14:placeholderFlag xmlns="" xmlns:ma14="http://schemas.microsoft.com/office/mac/drawingml/2011/main" val="1"/>
+              <ma14:placeholderFlag xmlns:ma14="http://schemas.microsoft.com/office/mac/drawingml/2011/main" xmlns="" val="1"/>
             </a:ext>
           </a:extLst>
         </p:spPr>
@@ -10060,13 +9854,6 @@
     <p:sldLayoutId id="2147484043" r:id="rId4"/>
     <p:sldLayoutId id="2147484044" r:id="rId5"/>
   </p:sldLayoutIdLst>
-  <p:timing>
-    <p:tnLst>
-      <p:par>
-        <p:cTn id="1" dur="indefinite" restart="never" nodeType="tmRoot"/>
-      </p:par>
-    </p:tnLst>
-  </p:timing>
   <p:hf sldNum="0" hdr="0" dt="0"/>
   <p:txStyles>
     <p:titleStyle>
@@ -10535,7 +10322,7 @@
               </a14:hiddenEffects>
             </a:ext>
             <a:ext uri="{FAA26D3D-D897-4be2-8F04-BA451C77F1D7}">
-              <ma14:placeholderFlag xmlns="" xmlns:ma14="http://schemas.microsoft.com/office/mac/drawingml/2011/main" val="1"/>
+              <ma14:placeholderFlag xmlns:ma14="http://schemas.microsoft.com/office/mac/drawingml/2011/main" xmlns="" val="1"/>
             </a:ext>
           </a:extLst>
         </p:spPr>
@@ -10609,10 +10396,9 @@
               <a:defRPr/>
             </a:pPr>
             <a:r>
-              <a:rPr lang="nl-NL" smtClean="0"/>
+              <a:rPr lang="nl-NL"/>
               <a:t>Fontys Hogeschool ICT</a:t>
             </a:r>
-            <a:endParaRPr lang="nl-NL"/>
           </a:p>
         </p:txBody>
       </p:sp>
@@ -10761,7 +10547,7 @@
               </a14:hiddenEffects>
             </a:ext>
             <a:ext uri="{FAA26D3D-D897-4be2-8F04-BA451C77F1D7}">
-              <ma14:placeholderFlag xmlns="" xmlns:ma14="http://schemas.microsoft.com/office/mac/drawingml/2011/main" val="1"/>
+              <ma14:placeholderFlag xmlns:ma14="http://schemas.microsoft.com/office/mac/drawingml/2011/main" xmlns="" val="1"/>
             </a:ext>
           </a:extLst>
         </p:spPr>
@@ -10888,13 +10674,6 @@
     <p:sldLayoutId id="2147484049" r:id="rId4"/>
     <p:sldLayoutId id="2147484050" r:id="rId5"/>
   </p:sldLayoutIdLst>
-  <p:timing>
-    <p:tnLst>
-      <p:par>
-        <p:cTn id="1" dur="indefinite" restart="never" nodeType="tmRoot"/>
-      </p:par>
-    </p:tnLst>
-  </p:timing>
   <p:hf sldNum="0" hdr="0" dt="0"/>
   <p:txStyles>
     <p:titleStyle>
@@ -11363,7 +11142,7 @@
               </a14:hiddenEffects>
             </a:ext>
             <a:ext uri="{FAA26D3D-D897-4be2-8F04-BA451C77F1D7}">
-              <ma14:placeholderFlag xmlns="" xmlns:ma14="http://schemas.microsoft.com/office/mac/drawingml/2011/main" val="1"/>
+              <ma14:placeholderFlag xmlns:ma14="http://schemas.microsoft.com/office/mac/drawingml/2011/main" xmlns="" val="1"/>
             </a:ext>
           </a:extLst>
         </p:spPr>
@@ -11437,10 +11216,9 @@
               <a:defRPr/>
             </a:pPr>
             <a:r>
-              <a:rPr lang="nl-NL" smtClean="0"/>
+              <a:rPr lang="nl-NL"/>
               <a:t>Fontys Hogeschool ICT</a:t>
             </a:r>
-            <a:endParaRPr lang="nl-NL"/>
           </a:p>
         </p:txBody>
       </p:sp>
@@ -11589,7 +11367,7 @@
               </a14:hiddenEffects>
             </a:ext>
             <a:ext uri="{FAA26D3D-D897-4be2-8F04-BA451C77F1D7}">
-              <ma14:placeholderFlag xmlns="" xmlns:ma14="http://schemas.microsoft.com/office/mac/drawingml/2011/main" val="1"/>
+              <ma14:placeholderFlag xmlns:ma14="http://schemas.microsoft.com/office/mac/drawingml/2011/main" xmlns="" val="1"/>
             </a:ext>
           </a:extLst>
         </p:spPr>
@@ -11714,13 +11492,6 @@
     <p:sldLayoutId id="2147484053" r:id="rId2"/>
     <p:sldLayoutId id="2147484054" r:id="rId3"/>
   </p:sldLayoutIdLst>
-  <p:timing>
-    <p:tnLst>
-      <p:par>
-        <p:cTn id="1" dur="indefinite" restart="never" nodeType="tmRoot"/>
-      </p:par>
-    </p:tnLst>
-  </p:timing>
   <p:hf sldNum="0" hdr="0" dt="0"/>
   <p:txStyles>
     <p:titleStyle>
@@ -12149,27 +11920,20 @@
           <a:lstStyle/>
           <a:p>
             <a:r>
-              <a:rPr lang="nl-NL" b="0" smtClean="0">
+              <a:rPr lang="nl-NL" b="0" dirty="0">
                 <a:latin typeface="Helvetica Light"/>
                 <a:cs typeface="Helvetica Light"/>
               </a:rPr>
-              <a:t>FUN12 – Collecties 2</a:t>
-            </a:r>
-            <a:r>
-              <a:rPr lang="nl-NL" b="0" dirty="0" smtClean="0">
-                <a:latin typeface="Helvetica Light"/>
-                <a:cs typeface="Helvetica Light"/>
-              </a:rPr>
-              <a:t/>
+              <a:t>Collecties 2</a:t>
             </a:r>
             <a:br>
-              <a:rPr lang="nl-NL" b="0" dirty="0" smtClean="0">
+              <a:rPr lang="nl-NL" b="0" dirty="0">
                 <a:latin typeface="Helvetica Light"/>
                 <a:cs typeface="Helvetica Light"/>
               </a:rPr>
             </a:br>
             <a:r>
-              <a:rPr lang="nl-NL" sz="7200" b="0" dirty="0" err="1" smtClean="0">
+              <a:rPr lang="nl-NL" sz="7200" b="0" dirty="0" err="1">
                 <a:solidFill>
                   <a:schemeClr val="bg1">
                     <a:lumMod val="95000"/>
@@ -12202,13 +11966,6 @@
   <p:clrMapOvr>
     <a:masterClrMapping/>
   </p:clrMapOvr>
-  <p:timing>
-    <p:tnLst>
-      <p:par>
-        <p:cTn id="1" dur="indefinite" restart="never" nodeType="tmRoot"/>
-      </p:par>
-    </p:tnLst>
-  </p:timing>
 </p:sld>
 </file>
 
@@ -12248,15 +12005,15 @@
               <a:buNone/>
             </a:pPr>
             <a:r>
-              <a:rPr lang="nl-NL" sz="8000" dirty="0" smtClean="0"/>
+              <a:rPr lang="nl-NL" sz="8000" dirty="0"/>
               <a:t>Wat is het nadeel van </a:t>
             </a:r>
             <a:r>
-              <a:rPr lang="nl-NL" sz="8000" dirty="0" err="1" smtClean="0"/>
+              <a:rPr lang="nl-NL" sz="8000" dirty="0" err="1"/>
               <a:t>array’s</a:t>
             </a:r>
             <a:r>
-              <a:rPr lang="nl-NL" sz="8000" dirty="0" smtClean="0"/>
+              <a:rPr lang="nl-NL" sz="8000" dirty="0"/>
               <a:t>?</a:t>
             </a:r>
             <a:endParaRPr lang="en-US" sz="8000" dirty="0"/>
@@ -12288,10 +12045,9 @@
               <a:defRPr/>
             </a:pPr>
             <a:r>
-              <a:rPr lang="nl-NL" smtClean="0"/>
+              <a:rPr lang="nl-NL"/>
               <a:t>Fontys Hogeschool ICT</a:t>
             </a:r>
-            <a:endParaRPr lang="nl-NL"/>
           </a:p>
         </p:txBody>
       </p:sp>
@@ -12317,13 +12073,6 @@
       </p:transition>
     </mc:Fallback>
   </mc:AlternateContent>
-  <p:timing>
-    <p:tnLst>
-      <p:par>
-        <p:cTn id="1" dur="indefinite" restart="never" nodeType="tmRoot"/>
-      </p:par>
-    </p:tnLst>
-  </p:timing>
 </p:sld>
 </file>
 
@@ -12386,16 +12135,12 @@
           <a:lstStyle/>
           <a:p>
             <a:r>
-              <a:rPr lang="nl-NL" sz="5400" noProof="0" dirty="0" smtClean="0">
+              <a:rPr lang="nl-NL" sz="5400" noProof="0" dirty="0">
                 <a:latin typeface="Helvetica Light"/>
                 <a:cs typeface="Helvetica Light"/>
               </a:rPr>
               <a:t>Voorbeeld</a:t>
             </a:r>
-            <a:endParaRPr lang="nl-NL" sz="5400" noProof="0" dirty="0">
-              <a:latin typeface="Helvetica Light"/>
-              <a:cs typeface="Helvetica Light"/>
-            </a:endParaRPr>
           </a:p>
         </p:txBody>
       </p:sp>
@@ -12739,7 +12484,6 @@
             <a:tailEnd type="none" w="med" len="med"/>
           </a:ln>
           <a:effectLst/>
-          <a:extLst/>
         </p:spPr>
         <p:txBody>
           <a:bodyPr vert="horz" wrap="square" lIns="91440" tIns="45720" rIns="91440" bIns="45720" numCol="1" rtlCol="0" anchor="t" anchorCtr="0" compatLnSpc="1">
@@ -12802,7 +12546,7 @@
           <a:lstStyle/>
           <a:p>
             <a:r>
-              <a:rPr lang="nl-NL" sz="2400" b="1" dirty="0" err="1" smtClean="0">
+              <a:rPr lang="nl-NL" sz="2400" b="1" dirty="0" err="1">
                 <a:solidFill>
                   <a:srgbClr val="FF0000"/>
                 </a:solidFill>
@@ -13172,16 +12916,12 @@
           <a:lstStyle/>
           <a:p>
             <a:r>
-              <a:rPr lang="nl-NL" sz="5400" noProof="0" dirty="0" smtClean="0">
+              <a:rPr lang="nl-NL" sz="5400" noProof="0" dirty="0">
                 <a:latin typeface="Helvetica Light"/>
                 <a:cs typeface="Helvetica Light"/>
               </a:rPr>
               <a:t>Voorbeeld met List</a:t>
             </a:r>
-            <a:endParaRPr lang="nl-NL" sz="5400" noProof="0" dirty="0">
-              <a:latin typeface="Helvetica Light"/>
-              <a:cs typeface="Helvetica Light"/>
-            </a:endParaRPr>
           </a:p>
         </p:txBody>
       </p:sp>
@@ -13281,7 +13021,7 @@
               <a:t> = </a:t>
             </a:r>
             <a:r>
-              <a:rPr lang="en-US" sz="3500" dirty="0" smtClean="0">
+              <a:rPr lang="en-US" sz="3500" dirty="0">
                 <a:solidFill>
                   <a:srgbClr val="0000FF"/>
                 </a:solidFill>
@@ -13307,7 +13047,7 @@
               <a:buNone/>
             </a:pPr>
             <a:r>
-              <a:rPr lang="en-US" sz="3500" dirty="0" smtClean="0">
+              <a:rPr lang="en-US" sz="3500" dirty="0">
                 <a:solidFill>
                   <a:srgbClr val="000000"/>
                 </a:solidFill>
@@ -13319,7 +13059,7 @@
               <a:t>                     </a:t>
             </a:r>
             <a:r>
-              <a:rPr lang="en-US" sz="3500" dirty="0" smtClean="0">
+              <a:rPr lang="en-US" sz="3500" dirty="0">
                 <a:solidFill>
                   <a:srgbClr val="2B91AF"/>
                 </a:solidFill>
@@ -13331,7 +13071,7 @@
               <a:t>List</a:t>
             </a:r>
             <a:r>
-              <a:rPr lang="en-US" sz="3500" dirty="0" smtClean="0">
+              <a:rPr lang="en-US" sz="3500" dirty="0">
                 <a:solidFill>
                   <a:srgbClr val="000000"/>
                 </a:solidFill>
@@ -13343,7 +13083,7 @@
               <a:t>&lt;</a:t>
             </a:r>
             <a:r>
-              <a:rPr lang="en-US" sz="3500" dirty="0" err="1" smtClean="0">
+              <a:rPr lang="en-US" sz="3500" dirty="0" err="1">
                 <a:solidFill>
                   <a:srgbClr val="0000FF"/>
                 </a:solidFill>
@@ -13355,7 +13095,7 @@
               <a:t>int</a:t>
             </a:r>
             <a:r>
-              <a:rPr lang="en-US" sz="3500" dirty="0" smtClean="0">
+              <a:rPr lang="en-US" sz="3500" dirty="0">
                 <a:solidFill>
                   <a:srgbClr val="000000"/>
                 </a:solidFill>
@@ -13366,15 +13106,6 @@
               </a:rPr>
               <a:t>&gt;();</a:t>
             </a:r>
-            <a:endParaRPr lang="en-US" sz="3500" dirty="0">
-              <a:solidFill>
-                <a:srgbClr val="000000"/>
-              </a:solidFill>
-              <a:highlight>
-                <a:srgbClr val="FFFFFF"/>
-              </a:highlight>
-              <a:latin typeface="Consolas"/>
-            </a:endParaRPr>
           </a:p>
           <a:p>
             <a:pPr marL="0" indent="0">
@@ -13582,7 +13313,6 @@
             <a:tailEnd type="none" w="med" len="med"/>
           </a:ln>
           <a:effectLst/>
-          <a:extLst/>
         </p:spPr>
         <p:txBody>
           <a:bodyPr vert="horz" wrap="square" lIns="91440" tIns="45720" rIns="91440" bIns="45720" numCol="1" rtlCol="0" anchor="t" anchorCtr="0" compatLnSpc="1">
@@ -13645,7 +13375,7 @@
           <a:lstStyle/>
           <a:p>
             <a:r>
-              <a:rPr lang="nl-NL" sz="2400" b="1" dirty="0" err="1" smtClean="0">
+              <a:rPr lang="nl-NL" sz="2400" b="1" dirty="0" err="1">
                 <a:solidFill>
                   <a:srgbClr val="FF0000"/>
                 </a:solidFill>
@@ -13998,16 +13728,16 @@
           <a:lstStyle/>
           <a:p>
             <a:r>
-              <a:rPr lang="nl-NL" dirty="0" smtClean="0">
+              <a:rPr lang="nl-NL" dirty="0">
                 <a:latin typeface="Helvetica Light"/>
                 <a:cs typeface="Helvetica Light"/>
               </a:rPr>
-              <a:t>Een List is een klasse.</a:t>
-            </a:r>
-          </a:p>
-          <a:p>
-            <a:r>
-              <a:rPr lang="nl-NL" dirty="0" smtClean="0">
+              <a:t>List is een class.</a:t>
+            </a:r>
+          </a:p>
+          <a:p>
+            <a:r>
+              <a:rPr lang="nl-NL" dirty="0">
                 <a:latin typeface="Helvetica Light"/>
                 <a:cs typeface="Helvetica Light"/>
               </a:rPr>
@@ -14026,7 +13756,7 @@
               <a:t>new</a:t>
             </a:r>
             <a:r>
-              <a:rPr lang="nl-NL" dirty="0" smtClean="0">
+              <a:rPr lang="nl-NL" dirty="0">
                 <a:latin typeface="Helvetica Light"/>
                 <a:cs typeface="Helvetica Light"/>
               </a:rPr>
@@ -14035,7 +13765,7 @@
           </a:p>
           <a:p>
             <a:r>
-              <a:rPr lang="nl-NL" dirty="0" smtClean="0">
+              <a:rPr lang="nl-NL" dirty="0">
                 <a:latin typeface="Helvetica Light"/>
                 <a:cs typeface="Helvetica Light"/>
               </a:rPr>
@@ -14044,7 +13774,7 @@
           </a:p>
           <a:p>
             <a:r>
-              <a:rPr lang="nl-NL" dirty="0" smtClean="0">
+              <a:rPr lang="nl-NL" dirty="0">
                 <a:latin typeface="Helvetica Light"/>
                 <a:cs typeface="Helvetica Light"/>
               </a:rPr>
@@ -14054,7 +13784,7 @@
           <a:p>
             <a:pPr lvl="1"/>
             <a:r>
-              <a:rPr lang="nl-NL" dirty="0" smtClean="0">
+              <a:rPr lang="nl-NL" dirty="0">
                 <a:latin typeface="Helvetica Light"/>
                 <a:cs typeface="Helvetica Light"/>
               </a:rPr>
@@ -14097,7 +13827,7 @@
               <a:t>)</a:t>
             </a:r>
             <a:r>
-              <a:rPr lang="nl-NL" dirty="0" smtClean="0">
+              <a:rPr lang="nl-NL" dirty="0">
                 <a:latin typeface="Helvetica Light"/>
                 <a:cs typeface="Helvetica Light"/>
               </a:rPr>
@@ -14107,28 +13837,28 @@
           <a:p>
             <a:pPr lvl="1"/>
             <a:r>
-              <a:rPr lang="nl-NL" dirty="0" smtClean="0">
+              <a:rPr lang="nl-NL" dirty="0">
                 <a:latin typeface="Helvetica Light"/>
                 <a:cs typeface="Helvetica Light"/>
               </a:rPr>
               <a:t>Opvragen met </a:t>
             </a:r>
             <a:r>
-              <a:rPr lang="nl-NL" dirty="0" smtClean="0">
+              <a:rPr lang="nl-NL" dirty="0">
                 <a:latin typeface="Consolas" panose="020B0609020204030204" pitchFamily="49" charset="0"/>
                 <a:cs typeface="Consolas" panose="020B0609020204030204" pitchFamily="49" charset="0"/>
               </a:rPr>
               <a:t>[blokhaken]</a:t>
             </a:r>
             <a:r>
-              <a:rPr lang="nl-NL" dirty="0" smtClean="0">
+              <a:rPr lang="nl-NL" dirty="0">
                 <a:latin typeface="Helvetica Light"/>
                 <a:cs typeface="Helvetica Light"/>
               </a:rPr>
               <a:t> of </a:t>
             </a:r>
             <a:r>
-              <a:rPr lang="en-US" dirty="0" err="1" smtClean="0">
+              <a:rPr lang="en-US" dirty="0" err="1">
                 <a:solidFill>
                   <a:srgbClr val="000000"/>
                 </a:solidFill>
@@ -14140,7 +13870,7 @@
               <a:t>ElementAt</a:t>
             </a:r>
             <a:r>
-              <a:rPr lang="en-US" dirty="0" smtClean="0">
+              <a:rPr lang="en-US" dirty="0">
                 <a:solidFill>
                   <a:srgbClr val="000000"/>
                 </a:solidFill>
@@ -14152,7 +13882,7 @@
               <a:t>(</a:t>
             </a:r>
             <a:r>
-              <a:rPr lang="en-US" dirty="0" err="1" smtClean="0">
+              <a:rPr lang="en-US" dirty="0" err="1">
                 <a:solidFill>
                   <a:srgbClr val="0000FF"/>
                 </a:solidFill>
@@ -14164,7 +13894,7 @@
               <a:t>int</a:t>
             </a:r>
             <a:r>
-              <a:rPr lang="en-US" dirty="0" smtClean="0">
+              <a:rPr lang="en-US" dirty="0">
                 <a:solidFill>
                   <a:srgbClr val="000000"/>
                 </a:solidFill>
@@ -14182,19 +13912,10 @@
                 </a:highlight>
                 <a:latin typeface="Helvetica Light"/>
               </a:rPr>
-              <a:t> </a:t>
-            </a:r>
-            <a:r>
-              <a:rPr lang="nl-NL" dirty="0" smtClean="0">
-                <a:highlight>
-                  <a:srgbClr val="FFFFFF"/>
-                </a:highlight>
-                <a:latin typeface="Helvetica Light"/>
-              </a:rPr>
-              <a:t>methode</a:t>
-            </a:r>
-            <a:r>
-              <a:rPr lang="nl-NL" dirty="0" smtClean="0">
+              <a:t> methode</a:t>
+            </a:r>
+            <a:r>
+              <a:rPr lang="nl-NL" dirty="0">
                 <a:latin typeface="Helvetica Light"/>
                 <a:cs typeface="Helvetica Light"/>
               </a:rPr>
@@ -14204,7 +13925,7 @@
           <a:p>
             <a:pPr lvl="1"/>
             <a:r>
-              <a:rPr lang="nl-NL" dirty="0" smtClean="0">
+              <a:rPr lang="nl-NL" dirty="0">
                 <a:latin typeface="Helvetica Light"/>
                 <a:cs typeface="Helvetica Light"/>
               </a:rPr>
@@ -14220,19 +13941,7 @@
                 </a:highlight>
                 <a:latin typeface="Consolas"/>
               </a:rPr>
-              <a:t>.</a:t>
-            </a:r>
-            <a:r>
-              <a:rPr lang="en-US" dirty="0" smtClean="0">
-                <a:solidFill>
-                  <a:srgbClr val="000000"/>
-                </a:solidFill>
-                <a:highlight>
-                  <a:srgbClr val="FFFFFF"/>
-                </a:highlight>
-                <a:latin typeface="Consolas"/>
-              </a:rPr>
-              <a:t>Count</a:t>
+              <a:t>.Count</a:t>
             </a:r>
             <a:r>
               <a:rPr lang="nl-NL" dirty="0">
@@ -14241,19 +13950,10 @@
                 </a:highlight>
                 <a:latin typeface="Helvetica Light"/>
               </a:rPr>
-              <a:t> </a:t>
-            </a:r>
-            <a:r>
-              <a:rPr lang="nl-NL" dirty="0" smtClean="0">
-                <a:highlight>
-                  <a:srgbClr val="FFFFFF"/>
-                </a:highlight>
-                <a:latin typeface="Helvetica Light"/>
-              </a:rPr>
-              <a:t>o</a:t>
-            </a:r>
-            <a:r>
-              <a:rPr lang="nl-NL" dirty="0" smtClean="0">
+              <a:t> o</a:t>
+            </a:r>
+            <a:r>
+              <a:rPr lang="nl-NL" dirty="0">
                 <a:latin typeface="Helvetica Light"/>
                 <a:cs typeface="Helvetica Light"/>
               </a:rPr>
@@ -14304,7 +14004,7 @@
           <a:lstStyle/>
           <a:p>
             <a:r>
-              <a:rPr lang="nl-NL" sz="6000" noProof="0" dirty="0" err="1" smtClean="0">
+              <a:rPr lang="nl-NL" sz="6000" noProof="0" dirty="0" err="1">
                 <a:latin typeface="Helvetica Light"/>
                 <a:cs typeface="Helvetica Light"/>
               </a:rPr>
@@ -14327,13 +14027,6 @@
   <p:clrMapOvr>
     <a:masterClrMapping/>
   </p:clrMapOvr>
-  <p:timing>
-    <p:tnLst>
-      <p:par>
-        <p:cTn id="1" dur="indefinite" restart="never" nodeType="tmRoot"/>
-      </p:par>
-    </p:tnLst>
-  </p:timing>
 </p:sld>
 </file>
 
@@ -14418,34 +14111,10 @@
                 </a:highlight>
                 <a:latin typeface="Consolas"/>
               </a:rPr>
-              <a:t>&gt; </a:t>
-            </a:r>
-            <a:r>
-              <a:rPr lang="en-US" sz="3100" dirty="0" smtClean="0">
-                <a:solidFill>
-                  <a:srgbClr val="000000"/>
-                </a:solidFill>
-                <a:highlight>
-                  <a:srgbClr val="FFFFFF"/>
-                </a:highlight>
-                <a:latin typeface="Consolas"/>
-              </a:rPr>
-              <a:t>words </a:t>
+              <a:t>&gt; words = </a:t>
             </a:r>
             <a:r>
               <a:rPr lang="en-US" sz="3100" dirty="0">
-                <a:solidFill>
-                  <a:srgbClr val="000000"/>
-                </a:solidFill>
-                <a:highlight>
-                  <a:srgbClr val="FFFFFF"/>
-                </a:highlight>
-                <a:latin typeface="Consolas"/>
-              </a:rPr>
-              <a:t>= </a:t>
-            </a:r>
-            <a:r>
-              <a:rPr lang="en-US" sz="3100" dirty="0" smtClean="0">
                 <a:solidFill>
                   <a:srgbClr val="0000FF"/>
                 </a:solidFill>
@@ -14456,20 +14125,8 @@
               </a:rPr>
               <a:t>new</a:t>
             </a:r>
-            <a:r>
-              <a:rPr lang="en-US" sz="3100" dirty="0" smtClean="0">
-                <a:solidFill>
-                  <a:srgbClr val="000000"/>
-                </a:solidFill>
-                <a:highlight>
-                  <a:srgbClr val="FFFFFF"/>
-                </a:highlight>
-                <a:latin typeface="Consolas"/>
-              </a:rPr>
-              <a:t/>
-            </a:r>
             <a:br>
-              <a:rPr lang="en-US" sz="3100" dirty="0" smtClean="0">
+              <a:rPr lang="en-US" sz="3100" dirty="0">
                 <a:solidFill>
                   <a:srgbClr val="000000"/>
                 </a:solidFill>
@@ -14480,7 +14137,7 @@
               </a:rPr>
             </a:br>
             <a:r>
-              <a:rPr lang="en-US" sz="3100" dirty="0" smtClean="0">
+              <a:rPr lang="en-US" sz="3100" dirty="0">
                 <a:solidFill>
                   <a:srgbClr val="000000"/>
                 </a:solidFill>
@@ -14492,7 +14149,7 @@
               <a:t>                     </a:t>
             </a:r>
             <a:r>
-              <a:rPr lang="en-US" sz="3100" dirty="0" smtClean="0">
+              <a:rPr lang="en-US" sz="3100" dirty="0">
                 <a:solidFill>
                   <a:srgbClr val="2B91AF"/>
                 </a:solidFill>
@@ -14504,7 +14161,7 @@
               <a:t>List</a:t>
             </a:r>
             <a:r>
-              <a:rPr lang="en-US" sz="3100" dirty="0" smtClean="0">
+              <a:rPr lang="en-US" sz="3100" dirty="0">
                 <a:solidFill>
                   <a:srgbClr val="000000"/>
                 </a:solidFill>
@@ -14516,7 +14173,7 @@
               <a:t>&lt;</a:t>
             </a:r>
             <a:r>
-              <a:rPr lang="en-US" sz="3100" dirty="0" smtClean="0">
+              <a:rPr lang="en-US" sz="3100" dirty="0">
                 <a:solidFill>
                   <a:srgbClr val="0000FF"/>
                 </a:solidFill>
@@ -14528,7 +14185,7 @@
               <a:t>string</a:t>
             </a:r>
             <a:r>
-              <a:rPr lang="en-US" sz="3100" dirty="0" smtClean="0">
+              <a:rPr lang="en-US" sz="3100" dirty="0">
                 <a:solidFill>
                   <a:srgbClr val="000000"/>
                 </a:solidFill>
@@ -14538,6 +14195,165 @@
                 <a:latin typeface="Consolas"/>
               </a:rPr>
               <a:t>&gt;();</a:t>
+            </a:r>
+          </a:p>
+          <a:p>
+            <a:pPr marL="0" indent="0">
+              <a:buNone/>
+            </a:pPr>
+            <a:r>
+              <a:rPr lang="en-US" sz="3100" dirty="0" err="1">
+                <a:solidFill>
+                  <a:srgbClr val="000000"/>
+                </a:solidFill>
+                <a:highlight>
+                  <a:srgbClr val="FFFFFF"/>
+                </a:highlight>
+                <a:latin typeface="Consolas"/>
+              </a:rPr>
+              <a:t>words.Add</a:t>
+            </a:r>
+            <a:r>
+              <a:rPr lang="en-US" sz="3100" dirty="0">
+                <a:solidFill>
+                  <a:srgbClr val="000000"/>
+                </a:solidFill>
+                <a:highlight>
+                  <a:srgbClr val="FFFFFF"/>
+                </a:highlight>
+                <a:latin typeface="Consolas"/>
+              </a:rPr>
+              <a:t>(</a:t>
+            </a:r>
+            <a:r>
+              <a:rPr lang="en-US" sz="3100" dirty="0">
+                <a:solidFill>
+                  <a:srgbClr val="A31515"/>
+                </a:solidFill>
+                <a:highlight>
+                  <a:srgbClr val="FFFFFF"/>
+                </a:highlight>
+                <a:latin typeface="Consolas"/>
+              </a:rPr>
+              <a:t>"Hallo"</a:t>
+            </a:r>
+            <a:r>
+              <a:rPr lang="en-US" sz="3100" dirty="0">
+                <a:solidFill>
+                  <a:srgbClr val="000000"/>
+                </a:solidFill>
+                <a:highlight>
+                  <a:srgbClr val="FFFFFF"/>
+                </a:highlight>
+                <a:latin typeface="Consolas"/>
+              </a:rPr>
+              <a:t>);</a:t>
+            </a:r>
+          </a:p>
+          <a:p>
+            <a:pPr marL="0" indent="0">
+              <a:buNone/>
+            </a:pPr>
+            <a:r>
+              <a:rPr lang="en-US" sz="3100" dirty="0" err="1">
+                <a:solidFill>
+                  <a:srgbClr val="000000"/>
+                </a:solidFill>
+                <a:highlight>
+                  <a:srgbClr val="FFFFFF"/>
+                </a:highlight>
+                <a:latin typeface="Consolas"/>
+              </a:rPr>
+              <a:t>words.Add</a:t>
+            </a:r>
+            <a:r>
+              <a:rPr lang="en-US" sz="3100" dirty="0">
+                <a:solidFill>
+                  <a:srgbClr val="000000"/>
+                </a:solidFill>
+                <a:highlight>
+                  <a:srgbClr val="FFFFFF"/>
+                </a:highlight>
+                <a:latin typeface="Consolas"/>
+              </a:rPr>
+              <a:t>(</a:t>
+            </a:r>
+            <a:r>
+              <a:rPr lang="en-US" sz="3100" dirty="0">
+                <a:solidFill>
+                  <a:srgbClr val="A31515"/>
+                </a:solidFill>
+                <a:highlight>
+                  <a:srgbClr val="FFFFFF"/>
+                </a:highlight>
+                <a:latin typeface="Consolas"/>
+              </a:rPr>
+              <a:t>"</a:t>
+            </a:r>
+            <a:r>
+              <a:rPr lang="en-US" sz="3100" dirty="0" err="1">
+                <a:solidFill>
+                  <a:srgbClr val="A31515"/>
+                </a:solidFill>
+                <a:highlight>
+                  <a:srgbClr val="FFFFFF"/>
+                </a:highlight>
+                <a:latin typeface="Consolas"/>
+              </a:rPr>
+              <a:t>allemaal</a:t>
+            </a:r>
+            <a:r>
+              <a:rPr lang="en-US" sz="3100" dirty="0">
+                <a:solidFill>
+                  <a:srgbClr val="A31515"/>
+                </a:solidFill>
+                <a:highlight>
+                  <a:srgbClr val="FFFFFF"/>
+                </a:highlight>
+                <a:latin typeface="Consolas"/>
+              </a:rPr>
+              <a:t>!"</a:t>
+            </a:r>
+            <a:r>
+              <a:rPr lang="en-US" sz="3100" dirty="0">
+                <a:solidFill>
+                  <a:srgbClr val="000000"/>
+                </a:solidFill>
+                <a:highlight>
+                  <a:srgbClr val="FFFFFF"/>
+                </a:highlight>
+                <a:latin typeface="Consolas"/>
+              </a:rPr>
+              <a:t>);</a:t>
+            </a:r>
+          </a:p>
+          <a:p>
+            <a:pPr marL="0" indent="0">
+              <a:buNone/>
+            </a:pPr>
+            <a:r>
+              <a:rPr lang="en-US" sz="3100">
+                <a:solidFill>
+                  <a:srgbClr val="0000FF"/>
+                </a:solidFill>
+                <a:highlight>
+                  <a:srgbClr val="FFFFFF"/>
+                </a:highlight>
+                <a:latin typeface="Consolas"/>
+              </a:rPr>
+              <a:t>string</a:t>
+            </a:r>
+            <a:r>
+              <a:rPr lang="en-US" sz="3100">
+                <a:solidFill>
+                  <a:srgbClr val="000000"/>
+                </a:solidFill>
+                <a:highlight>
+                  <a:srgbClr val="FFFFFF"/>
+                </a:highlight>
+                <a:latin typeface="Consolas"/>
+              </a:rPr>
+              <a:t> s;</a:t>
             </a:r>
             <a:endParaRPr lang="en-US" sz="3100" dirty="0">
               <a:solidFill>
@@ -14554,7 +14370,7 @@
               <a:buNone/>
             </a:pPr>
             <a:r>
-              <a:rPr lang="en-US" sz="3100" dirty="0" err="1" smtClean="0">
+              <a:rPr lang="en-US" sz="3100" dirty="0">
                 <a:solidFill>
                   <a:srgbClr val="000000"/>
                 </a:solidFill>
@@ -14563,199 +14379,10 @@
                 </a:highlight>
                 <a:latin typeface="Consolas"/>
               </a:rPr>
-              <a:t>words.Add</a:t>
-            </a:r>
-            <a:r>
-              <a:rPr lang="en-US" sz="3100" dirty="0">
-                <a:solidFill>
-                  <a:srgbClr val="000000"/>
-                </a:solidFill>
-                <a:highlight>
-                  <a:srgbClr val="FFFFFF"/>
-                </a:highlight>
-                <a:latin typeface="Consolas"/>
-              </a:rPr>
-              <a:t>(</a:t>
-            </a:r>
-            <a:r>
-              <a:rPr lang="en-US" sz="3100" dirty="0">
-                <a:solidFill>
-                  <a:srgbClr val="A31515"/>
-                </a:solidFill>
-                <a:highlight>
-                  <a:srgbClr val="FFFFFF"/>
-                </a:highlight>
-                <a:latin typeface="Consolas"/>
-              </a:rPr>
-              <a:t>"Hallo"</a:t>
-            </a:r>
-            <a:r>
-              <a:rPr lang="en-US" sz="3100" dirty="0">
-                <a:solidFill>
-                  <a:srgbClr val="000000"/>
-                </a:solidFill>
-                <a:highlight>
-                  <a:srgbClr val="FFFFFF"/>
-                </a:highlight>
-                <a:latin typeface="Consolas"/>
-              </a:rPr>
-              <a:t>);</a:t>
-            </a:r>
-          </a:p>
-          <a:p>
-            <a:pPr marL="0" indent="0">
-              <a:buNone/>
-            </a:pPr>
-            <a:r>
-              <a:rPr lang="en-US" sz="3100" dirty="0" err="1" smtClean="0">
-                <a:solidFill>
-                  <a:srgbClr val="000000"/>
-                </a:solidFill>
-                <a:highlight>
-                  <a:srgbClr val="FFFFFF"/>
-                </a:highlight>
-                <a:latin typeface="Consolas"/>
-              </a:rPr>
-              <a:t>words.Add</a:t>
-            </a:r>
-            <a:r>
-              <a:rPr lang="en-US" sz="3100" dirty="0">
-                <a:solidFill>
-                  <a:srgbClr val="000000"/>
-                </a:solidFill>
-                <a:highlight>
-                  <a:srgbClr val="FFFFFF"/>
-                </a:highlight>
-                <a:latin typeface="Consolas"/>
-              </a:rPr>
-              <a:t>(</a:t>
-            </a:r>
-            <a:r>
-              <a:rPr lang="en-US" sz="3100" dirty="0">
-                <a:solidFill>
-                  <a:srgbClr val="A31515"/>
-                </a:solidFill>
-                <a:highlight>
-                  <a:srgbClr val="FFFFFF"/>
-                </a:highlight>
-                <a:latin typeface="Consolas"/>
-              </a:rPr>
-              <a:t>"</a:t>
-            </a:r>
-            <a:r>
-              <a:rPr lang="en-US" sz="3100" dirty="0" err="1" smtClean="0">
-                <a:solidFill>
-                  <a:srgbClr val="A31515"/>
-                </a:solidFill>
-                <a:highlight>
-                  <a:srgbClr val="FFFFFF"/>
-                </a:highlight>
-                <a:latin typeface="Consolas"/>
-              </a:rPr>
-              <a:t>allemaal</a:t>
-            </a:r>
-            <a:r>
-              <a:rPr lang="en-US" sz="3100" dirty="0" smtClean="0">
-                <a:solidFill>
-                  <a:srgbClr val="A31515"/>
-                </a:solidFill>
-                <a:highlight>
-                  <a:srgbClr val="FFFFFF"/>
-                </a:highlight>
-                <a:latin typeface="Consolas"/>
-              </a:rPr>
-              <a:t>!"</a:t>
-            </a:r>
-            <a:r>
-              <a:rPr lang="en-US" sz="3100" dirty="0" smtClean="0">
-                <a:solidFill>
-                  <a:srgbClr val="000000"/>
-                </a:solidFill>
-                <a:highlight>
-                  <a:srgbClr val="FFFFFF"/>
-                </a:highlight>
-                <a:latin typeface="Consolas"/>
-              </a:rPr>
-              <a:t>);</a:t>
-            </a:r>
-            <a:endParaRPr lang="en-US" sz="3100" dirty="0">
-              <a:solidFill>
-                <a:srgbClr val="000000"/>
-              </a:solidFill>
-              <a:highlight>
-                <a:srgbClr val="FFFFFF"/>
-              </a:highlight>
-              <a:latin typeface="Consolas"/>
-            </a:endParaRPr>
-          </a:p>
-          <a:p>
-            <a:pPr marL="0" indent="0">
-              <a:buNone/>
-            </a:pPr>
-            <a:r>
-              <a:rPr lang="en-US" sz="3100">
-                <a:solidFill>
-                  <a:srgbClr val="0000FF"/>
-                </a:solidFill>
-                <a:highlight>
-                  <a:srgbClr val="FFFFFF"/>
-                </a:highlight>
-                <a:latin typeface="Consolas"/>
-              </a:rPr>
-              <a:t>string</a:t>
-            </a:r>
-            <a:r>
-              <a:rPr lang="en-US" sz="3100" smtClean="0">
-                <a:solidFill>
-                  <a:srgbClr val="000000"/>
-                </a:solidFill>
-                <a:highlight>
-                  <a:srgbClr val="FFFFFF"/>
-                </a:highlight>
-                <a:latin typeface="Consolas"/>
-              </a:rPr>
-              <a:t> s;</a:t>
-            </a:r>
-            <a:endParaRPr lang="en-US" sz="3100" dirty="0">
-              <a:solidFill>
-                <a:srgbClr val="000000"/>
-              </a:solidFill>
-              <a:highlight>
-                <a:srgbClr val="FFFFFF"/>
-              </a:highlight>
-              <a:latin typeface="Consolas"/>
-            </a:endParaRPr>
-          </a:p>
-          <a:p>
-            <a:pPr marL="0" indent="0">
-              <a:buNone/>
-            </a:pPr>
-            <a:r>
-              <a:rPr lang="en-US" sz="3100" dirty="0" smtClean="0">
-                <a:solidFill>
-                  <a:srgbClr val="000000"/>
-                </a:solidFill>
-                <a:highlight>
-                  <a:srgbClr val="FFFFFF"/>
-                </a:highlight>
-                <a:latin typeface="Consolas"/>
-              </a:rPr>
-              <a:t>s </a:t>
-            </a:r>
-            <a:r>
-              <a:rPr lang="en-US" sz="3100" dirty="0">
-                <a:solidFill>
-                  <a:srgbClr val="000000"/>
-                </a:solidFill>
-                <a:highlight>
-                  <a:srgbClr val="FFFFFF"/>
-                </a:highlight>
-                <a:latin typeface="Consolas"/>
-              </a:rPr>
-              <a:t>= </a:t>
-            </a:r>
-            <a:r>
-              <a:rPr lang="en-US" sz="3100" dirty="0" err="1" smtClean="0">
+              <a:t>s = </a:t>
+            </a:r>
+            <a:r>
+              <a:rPr lang="en-US" sz="3100" dirty="0" err="1">
                 <a:solidFill>
                   <a:srgbClr val="000000"/>
                 </a:solidFill>
@@ -14767,7 +14394,7 @@
               <a:t>words.ElementAt</a:t>
             </a:r>
             <a:r>
-              <a:rPr lang="en-US" sz="3100" dirty="0" smtClean="0">
+              <a:rPr lang="en-US" sz="3100" dirty="0">
                 <a:solidFill>
                   <a:srgbClr val="000000"/>
                 </a:solidFill>
@@ -14779,7 +14406,7 @@
               <a:t>(0) + </a:t>
             </a:r>
             <a:r>
-              <a:rPr lang="en-US" sz="3100" dirty="0" smtClean="0">
+              <a:rPr lang="en-US" sz="3100" dirty="0">
                 <a:solidFill>
                   <a:srgbClr val="A31515"/>
                 </a:solidFill>
@@ -14788,77 +14415,20 @@
                 </a:highlight>
                 <a:latin typeface="Consolas"/>
               </a:rPr>
-              <a:t>" </a:t>
+              <a:t>" "</a:t>
             </a:r>
             <a:r>
               <a:rPr lang="en-US" sz="3100" dirty="0">
                 <a:solidFill>
-                  <a:srgbClr val="A31515"/>
+                  <a:srgbClr val="000000"/>
                 </a:solidFill>
                 <a:highlight>
                   <a:srgbClr val="FFFFFF"/>
                 </a:highlight>
                 <a:latin typeface="Consolas"/>
               </a:rPr>
-              <a:t>"</a:t>
-            </a:r>
-            <a:r>
-              <a:rPr lang="en-US" sz="3100" dirty="0">
-                <a:solidFill>
-                  <a:srgbClr val="000000"/>
-                </a:solidFill>
-                <a:highlight>
-                  <a:srgbClr val="FFFFFF"/>
-                </a:highlight>
-                <a:latin typeface="Consolas"/>
-              </a:rPr>
-              <a:t> </a:t>
-            </a:r>
-            <a:r>
-              <a:rPr lang="en-US" sz="3100" dirty="0" smtClean="0">
-                <a:solidFill>
-                  <a:srgbClr val="000000"/>
-                </a:solidFill>
-                <a:highlight>
-                  <a:srgbClr val="FFFFFF"/>
-                </a:highlight>
-                <a:latin typeface="Consolas"/>
-              </a:rPr>
-              <a:t>+ 	</a:t>
-            </a:r>
-            <a:r>
-              <a:rPr lang="en-US" sz="3100" dirty="0">
-                <a:solidFill>
-                  <a:srgbClr val="000000"/>
-                </a:solidFill>
-                <a:highlight>
-                  <a:srgbClr val="FFFFFF"/>
-                </a:highlight>
-                <a:latin typeface="Consolas"/>
-              </a:rPr>
-              <a:t>	</a:t>
-            </a:r>
-            <a:r>
-              <a:rPr lang="en-US" sz="3100" dirty="0" smtClean="0">
-                <a:solidFill>
-                  <a:srgbClr val="000000"/>
-                </a:solidFill>
-                <a:highlight>
-                  <a:srgbClr val="FFFFFF"/>
-                </a:highlight>
-                <a:latin typeface="Consolas"/>
-              </a:rPr>
-              <a:t>words[1];</a:t>
-            </a:r>
-            <a:endParaRPr lang="en-US" sz="3100" dirty="0">
-              <a:solidFill>
-                <a:srgbClr val="000000"/>
-              </a:solidFill>
-              <a:highlight>
-                <a:srgbClr val="FFFFFF"/>
-              </a:highlight>
-              <a:latin typeface="Consolas"/>
-            </a:endParaRPr>
+              <a:t> + 		words[1];</a:t>
+            </a:r>
           </a:p>
           <a:p>
             <a:pPr marL="0" indent="0">
@@ -14879,7 +14449,7 @@
               <a:buNone/>
             </a:pPr>
             <a:r>
-              <a:rPr lang="en-US" sz="3100" dirty="0" err="1" smtClean="0">
+              <a:rPr lang="en-US" sz="3100" dirty="0" err="1">
                 <a:solidFill>
                   <a:srgbClr val="2B91AF"/>
                 </a:solidFill>
@@ -14891,7 +14461,7 @@
               <a:t>MessageBox</a:t>
             </a:r>
             <a:r>
-              <a:rPr lang="en-US" sz="3100" dirty="0" err="1" smtClean="0">
+              <a:rPr lang="en-US" sz="3100" dirty="0" err="1">
                 <a:solidFill>
                   <a:srgbClr val="000000"/>
                 </a:solidFill>
@@ -14903,7 +14473,7 @@
               <a:t>.Show</a:t>
             </a:r>
             <a:r>
-              <a:rPr lang="en-US" sz="3100" dirty="0" smtClean="0">
+              <a:rPr lang="en-US" sz="3100" dirty="0">
                 <a:solidFill>
                   <a:srgbClr val="000000"/>
                 </a:solidFill>
@@ -14914,7 +14484,7 @@
               </a:rPr>
               <a:t>(s);</a:t>
             </a:r>
-            <a:endParaRPr lang="nl-NL" sz="3100" dirty="0" smtClean="0">
+            <a:endParaRPr lang="nl-NL" sz="3100" dirty="0">
               <a:latin typeface="Helvetica Light"/>
               <a:cs typeface="Helvetica Light"/>
             </a:endParaRPr>
@@ -14963,23 +14533,19 @@
           <a:lstStyle/>
           <a:p>
             <a:r>
-              <a:rPr lang="nl-NL" sz="6000" noProof="0" dirty="0" err="1" smtClean="0">
+              <a:rPr lang="nl-NL" sz="6000" noProof="0" dirty="0" err="1">
                 <a:latin typeface="Helvetica Light"/>
                 <a:cs typeface="Helvetica Light"/>
               </a:rPr>
               <a:t>Lists</a:t>
             </a:r>
             <a:r>
-              <a:rPr lang="nl-NL" sz="6000" noProof="0" dirty="0" smtClean="0">
+              <a:rPr lang="nl-NL" sz="6000" noProof="0" dirty="0">
                 <a:latin typeface="Helvetica Light"/>
                 <a:cs typeface="Helvetica Light"/>
               </a:rPr>
               <a:t> – Voorbeeld</a:t>
             </a:r>
-            <a:endParaRPr lang="nl-NL" sz="6000" noProof="0" dirty="0">
-              <a:latin typeface="Helvetica Light"/>
-              <a:cs typeface="Helvetica Light"/>
-            </a:endParaRPr>
           </a:p>
         </p:txBody>
       </p:sp>
@@ -14993,13 +14559,6 @@
   <p:clrMapOvr>
     <a:masterClrMapping/>
   </p:clrMapOvr>
-  <p:timing>
-    <p:tnLst>
-      <p:par>
-        <p:cTn id="1" dur="indefinite" restart="never" nodeType="tmRoot"/>
-      </p:par>
-    </p:tnLst>
-  </p:timing>
 </p:sld>
 </file>
 
@@ -15087,7 +14646,7 @@
               <a:t>&gt; words = </a:t>
             </a:r>
             <a:r>
-              <a:rPr lang="en-US" sz="3100" dirty="0" smtClean="0">
+              <a:rPr lang="en-US" sz="3100" dirty="0">
                 <a:solidFill>
                   <a:srgbClr val="0000FF"/>
                 </a:solidFill>
@@ -15098,20 +14657,8 @@
               </a:rPr>
               <a:t>new</a:t>
             </a:r>
-            <a:r>
-              <a:rPr lang="en-US" sz="3100" dirty="0" smtClean="0">
-                <a:solidFill>
-                  <a:srgbClr val="000000"/>
-                </a:solidFill>
-                <a:highlight>
-                  <a:srgbClr val="FFFFFF"/>
-                </a:highlight>
-                <a:latin typeface="Consolas"/>
-              </a:rPr>
-              <a:t/>
-            </a:r>
             <a:br>
-              <a:rPr lang="en-US" sz="3100" dirty="0" smtClean="0">
+              <a:rPr lang="en-US" sz="3100" dirty="0">
                 <a:solidFill>
                   <a:srgbClr val="000000"/>
                 </a:solidFill>
@@ -15122,7 +14669,7 @@
               </a:rPr>
             </a:br>
             <a:r>
-              <a:rPr lang="en-US" sz="3100" dirty="0" smtClean="0">
+              <a:rPr lang="en-US" sz="3100" dirty="0">
                 <a:solidFill>
                   <a:srgbClr val="000000"/>
                 </a:solidFill>
@@ -15134,7 +14681,7 @@
               <a:t>                     </a:t>
             </a:r>
             <a:r>
-              <a:rPr lang="en-US" sz="3100" dirty="0" smtClean="0">
+              <a:rPr lang="en-US" sz="3100" dirty="0">
                 <a:solidFill>
                   <a:srgbClr val="2B91AF"/>
                 </a:solidFill>
@@ -15146,7 +14693,7 @@
               <a:t>List</a:t>
             </a:r>
             <a:r>
-              <a:rPr lang="en-US" sz="3100" dirty="0" smtClean="0">
+              <a:rPr lang="en-US" sz="3100" dirty="0">
                 <a:solidFill>
                   <a:srgbClr val="000000"/>
                 </a:solidFill>
@@ -15158,7 +14705,7 @@
               <a:t>&lt;</a:t>
             </a:r>
             <a:r>
-              <a:rPr lang="en-US" sz="3100" dirty="0" smtClean="0">
+              <a:rPr lang="en-US" sz="3100" dirty="0">
                 <a:solidFill>
                   <a:srgbClr val="0000FF"/>
                 </a:solidFill>
@@ -15346,7 +14893,7 @@
               <a:buNone/>
             </a:pPr>
             <a:r>
-              <a:rPr lang="en-US" sz="3100" smtClean="0">
+              <a:rPr lang="en-US" sz="3100">
                 <a:solidFill>
                   <a:srgbClr val="0000FF"/>
                 </a:solidFill>
@@ -15358,7 +14905,7 @@
               <a:t>foreach</a:t>
             </a:r>
             <a:r>
-              <a:rPr lang="en-US" sz="3100" smtClean="0">
+              <a:rPr lang="en-US" sz="3100">
                 <a:solidFill>
                   <a:srgbClr val="000000"/>
                 </a:solidFill>
@@ -15427,22 +14974,10 @@
                 </a:highlight>
                 <a:latin typeface="Consolas"/>
               </a:rPr>
-              <a:t> words</a:t>
-            </a:r>
-            <a:r>
-              <a:rPr lang="en-US" sz="3100" dirty="0" smtClean="0">
-                <a:solidFill>
-                  <a:srgbClr val="000000"/>
-                </a:solidFill>
-                <a:highlight>
-                  <a:srgbClr val="FFFFFF"/>
-                </a:highlight>
-                <a:latin typeface="Consolas"/>
-              </a:rPr>
-              <a:t>) {</a:t>
+              <a:t> words) {</a:t>
             </a:r>
             <a:br>
-              <a:rPr lang="en-US" sz="3100" dirty="0" smtClean="0">
+              <a:rPr lang="en-US" sz="3100" dirty="0">
                 <a:solidFill>
                   <a:srgbClr val="000000"/>
                 </a:solidFill>
@@ -15453,7 +14988,7 @@
               </a:rPr>
             </a:br>
             <a:r>
-              <a:rPr lang="en-US" sz="3100" dirty="0" smtClean="0">
+              <a:rPr lang="en-US" sz="3100" dirty="0">
                 <a:solidFill>
                   <a:srgbClr val="000000"/>
                 </a:solidFill>
@@ -15462,46 +14997,22 @@
                 </a:highlight>
                 <a:latin typeface="Consolas"/>
               </a:rPr>
-              <a:t>  </a:t>
+              <a:t>  s = s + word + </a:t>
             </a:r>
             <a:r>
               <a:rPr lang="en-US" sz="3100" dirty="0">
                 <a:solidFill>
-                  <a:srgbClr val="000000"/>
+                  <a:srgbClr val="A31515"/>
                 </a:solidFill>
                 <a:highlight>
                   <a:srgbClr val="FFFFFF"/>
                 </a:highlight>
                 <a:latin typeface="Consolas"/>
               </a:rPr>
-              <a:t>s = s + word + </a:t>
+              <a:t>" "</a:t>
             </a:r>
             <a:r>
               <a:rPr lang="en-US" sz="3100" dirty="0">
-                <a:solidFill>
-                  <a:srgbClr val="A31515"/>
-                </a:solidFill>
-                <a:highlight>
-                  <a:srgbClr val="FFFFFF"/>
-                </a:highlight>
-                <a:latin typeface="Consolas"/>
-              </a:rPr>
-              <a:t>" </a:t>
-            </a:r>
-            <a:r>
-              <a:rPr lang="en-US" sz="3100" dirty="0" smtClean="0">
-                <a:solidFill>
-                  <a:srgbClr val="A31515"/>
-                </a:solidFill>
-                <a:highlight>
-                  <a:srgbClr val="FFFFFF"/>
-                </a:highlight>
-                <a:latin typeface="Consolas"/>
-              </a:rPr>
-              <a:t>"</a:t>
-            </a:r>
-            <a:r>
-              <a:rPr lang="en-US" sz="3100" dirty="0" smtClean="0">
                 <a:solidFill>
                   <a:srgbClr val="000000"/>
                 </a:solidFill>
@@ -15518,7 +15029,7 @@
               <a:buNone/>
             </a:pPr>
             <a:r>
-              <a:rPr lang="en-US" sz="3100" dirty="0" smtClean="0">
+              <a:rPr lang="en-US" sz="3100" dirty="0">
                 <a:solidFill>
                   <a:srgbClr val="000000"/>
                 </a:solidFill>
@@ -15535,7 +15046,7 @@
               <a:buNone/>
             </a:pPr>
             <a:r>
-              <a:rPr lang="en-US" sz="3100" dirty="0" err="1" smtClean="0">
+              <a:rPr lang="en-US" sz="3100" dirty="0" err="1">
                 <a:solidFill>
                   <a:srgbClr val="2B91AF"/>
                 </a:solidFill>
@@ -15547,7 +15058,7 @@
               <a:t>MessageBox</a:t>
             </a:r>
             <a:r>
-              <a:rPr lang="en-US" sz="3100" dirty="0" err="1" smtClean="0">
+              <a:rPr lang="en-US" sz="3100" dirty="0" err="1">
                 <a:solidFill>
                   <a:srgbClr val="000000"/>
                 </a:solidFill>
@@ -15559,7 +15070,7 @@
               <a:t>.Show</a:t>
             </a:r>
             <a:r>
-              <a:rPr lang="en-US" sz="3100" dirty="0" smtClean="0">
+              <a:rPr lang="en-US" sz="3100" dirty="0">
                 <a:solidFill>
                   <a:srgbClr val="000000"/>
                 </a:solidFill>
@@ -15568,21 +15079,9 @@
                 </a:highlight>
                 <a:latin typeface="Consolas"/>
               </a:rPr>
-              <a:t>(s</a:t>
-            </a:r>
-            <a:r>
-              <a:rPr lang="en-US" sz="3100" dirty="0">
-                <a:solidFill>
-                  <a:srgbClr val="000000"/>
-                </a:solidFill>
-                <a:highlight>
-                  <a:srgbClr val="FFFFFF"/>
-                </a:highlight>
-                <a:latin typeface="Consolas"/>
-              </a:rPr>
-              <a:t>);</a:t>
-            </a:r>
-            <a:endParaRPr lang="nl-NL" sz="3100" dirty="0" smtClean="0">
+              <a:t>(s);</a:t>
+            </a:r>
+            <a:endParaRPr lang="nl-NL" sz="3100" dirty="0">
               <a:latin typeface="Helvetica Light"/>
               <a:cs typeface="Helvetica Light"/>
             </a:endParaRPr>
@@ -15631,23 +15130,19 @@
           <a:lstStyle/>
           <a:p>
             <a:r>
-              <a:rPr lang="nl-NL" sz="6000" noProof="0" dirty="0" err="1" smtClean="0">
+              <a:rPr lang="nl-NL" sz="6000" noProof="0" dirty="0" err="1">
                 <a:latin typeface="Helvetica Light"/>
                 <a:cs typeface="Helvetica Light"/>
               </a:rPr>
               <a:t>Lists</a:t>
             </a:r>
             <a:r>
-              <a:rPr lang="nl-NL" sz="6000" noProof="0" dirty="0" smtClean="0">
+              <a:rPr lang="nl-NL" sz="6000" noProof="0" dirty="0">
                 <a:latin typeface="Helvetica Light"/>
                 <a:cs typeface="Helvetica Light"/>
               </a:rPr>
               <a:t> – Voorbeeld</a:t>
             </a:r>
-            <a:endParaRPr lang="nl-NL" sz="6000" noProof="0" dirty="0">
-              <a:latin typeface="Helvetica Light"/>
-              <a:cs typeface="Helvetica Light"/>
-            </a:endParaRPr>
           </a:p>
         </p:txBody>
       </p:sp>
@@ -15673,13 +15168,6 @@
       </p:transition>
     </mc:Fallback>
   </mc:AlternateContent>
-  <p:timing>
-    <p:tnLst>
-      <p:par>
-        <p:cTn id="1" dur="indefinite" restart="never" nodeType="tmRoot"/>
-      </p:par>
-    </p:tnLst>
-  </p:timing>
 </p:sld>
 </file>
 
@@ -15721,18 +15209,11 @@
           <a:lstStyle/>
           <a:p>
             <a:r>
-              <a:rPr lang="nl-NL" dirty="0" smtClean="0">
-                <a:latin typeface="Helvetica Light"/>
-                <a:cs typeface="Helvetica Light"/>
-              </a:rPr>
-              <a:t>List aanmaken </a:t>
-            </a:r>
-            <a:r>
               <a:rPr lang="nl-NL" dirty="0">
                 <a:latin typeface="Helvetica Light"/>
                 <a:cs typeface="Helvetica Light"/>
               </a:rPr>
-              <a:t>met </a:t>
+              <a:t>List aanmaken met </a:t>
             </a:r>
             <a:r>
               <a:rPr lang="en-US" dirty="0">
@@ -15760,19 +15241,12 @@
                 <a:latin typeface="Helvetica Light"/>
                 <a:cs typeface="Helvetica Light"/>
               </a:rPr>
-              <a:t>Aantal elementen ligt niet vast</a:t>
-            </a:r>
-            <a:r>
-              <a:rPr lang="nl-NL" dirty="0" smtClean="0">
-                <a:latin typeface="Helvetica Light"/>
-                <a:cs typeface="Helvetica Light"/>
-              </a:rPr>
-              <a:t>.</a:t>
-            </a:r>
-          </a:p>
-          <a:p>
-            <a:r>
-              <a:rPr lang="nl-NL" dirty="0" smtClean="0">
+              <a:t>Aantal elementen ligt niet vast.</a:t>
+            </a:r>
+          </a:p>
+          <a:p>
+            <a:r>
+              <a:rPr lang="nl-NL" dirty="0">
                 <a:latin typeface="Helvetica Light"/>
                 <a:cs typeface="Helvetica Light"/>
               </a:rPr>
@@ -15781,7 +15255,7 @@
           </a:p>
           <a:p>
             <a:r>
-              <a:rPr lang="nl-NL" dirty="0" smtClean="0">
+              <a:rPr lang="nl-NL" dirty="0">
                 <a:latin typeface="Helvetica Light"/>
                 <a:cs typeface="Helvetica Light"/>
               </a:rPr>
@@ -15800,7 +15274,7 @@
               <a:t>foreach</a:t>
             </a:r>
             <a:r>
-              <a:rPr lang="nl-NL" dirty="0" smtClean="0">
+              <a:rPr lang="nl-NL" dirty="0">
                 <a:latin typeface="Helvetica Light"/>
                 <a:cs typeface="Helvetica Light"/>
               </a:rPr>
@@ -15842,7 +15316,7 @@
               <a:t>.Show</a:t>
             </a:r>
             <a:r>
-              <a:rPr lang="en-US" sz="2800" dirty="0" smtClean="0">
+              <a:rPr lang="en-US" sz="2800" dirty="0">
                 <a:solidFill>
                   <a:srgbClr val="000000"/>
                 </a:solidFill>
@@ -15854,7 +15328,7 @@
               <a:t>(</a:t>
             </a:r>
             <a:r>
-              <a:rPr lang="en-US" sz="2800" dirty="0" smtClean="0">
+              <a:rPr lang="en-US" sz="2800" dirty="0">
                 <a:solidFill>
                   <a:srgbClr val="A31515"/>
                 </a:solidFill>
@@ -15866,7 +15340,7 @@
               <a:t>“</a:t>
             </a:r>
             <a:r>
-              <a:rPr lang="en-US" sz="2800" dirty="0" err="1" smtClean="0">
+              <a:rPr lang="en-US" sz="2800" dirty="0" err="1">
                 <a:solidFill>
                   <a:srgbClr val="A31515"/>
                 </a:solidFill>
@@ -15878,7 +15352,7 @@
               <a:t>Oefening</a:t>
             </a:r>
             <a:r>
-              <a:rPr lang="en-US" sz="2800" dirty="0" smtClean="0">
+              <a:rPr lang="en-US" sz="2800" dirty="0">
                 <a:solidFill>
                   <a:srgbClr val="A31515"/>
                 </a:solidFill>
@@ -15890,7 +15364,7 @@
               <a:t> </a:t>
             </a:r>
             <a:r>
-              <a:rPr lang="en-US" sz="2800" dirty="0" err="1" smtClean="0">
+              <a:rPr lang="en-US" sz="2800" dirty="0" err="1">
                 <a:solidFill>
                   <a:srgbClr val="A31515"/>
                 </a:solidFill>
@@ -15902,7 +15376,7 @@
               <a:t>baart</a:t>
             </a:r>
             <a:r>
-              <a:rPr lang="en-US" sz="2800" dirty="0" smtClean="0">
+              <a:rPr lang="en-US" sz="2800" dirty="0">
                 <a:solidFill>
                   <a:srgbClr val="A31515"/>
                 </a:solidFill>
@@ -15914,7 +15388,7 @@
               <a:t> </a:t>
             </a:r>
             <a:r>
-              <a:rPr lang="en-US" sz="2800" dirty="0" err="1" smtClean="0">
+              <a:rPr lang="en-US" sz="2800" dirty="0" err="1">
                 <a:solidFill>
                   <a:srgbClr val="A31515"/>
                 </a:solidFill>
@@ -15926,7 +15400,7 @@
               <a:t>kunst</a:t>
             </a:r>
             <a:r>
-              <a:rPr lang="en-US" sz="2800" dirty="0" smtClean="0">
+              <a:rPr lang="en-US" sz="2800" dirty="0">
                 <a:solidFill>
                   <a:srgbClr val="A31515"/>
                 </a:solidFill>
@@ -15938,7 +15412,7 @@
               <a:t>!"</a:t>
             </a:r>
             <a:r>
-              <a:rPr lang="en-US" sz="2800" dirty="0" smtClean="0">
+              <a:rPr lang="en-US" sz="2800" dirty="0">
                 <a:solidFill>
                   <a:srgbClr val="000000"/>
                 </a:solidFill>
@@ -15998,16 +15472,12 @@
           <a:lstStyle/>
           <a:p>
             <a:r>
-              <a:rPr lang="nl-NL" sz="6000" noProof="0" dirty="0" smtClean="0">
+              <a:rPr lang="nl-NL" sz="6000" noProof="0" dirty="0">
                 <a:latin typeface="Helvetica Light"/>
                 <a:cs typeface="Helvetica Light"/>
               </a:rPr>
               <a:t>Samenvatting</a:t>
             </a:r>
-            <a:endParaRPr lang="nl-NL" sz="6000" noProof="0" dirty="0">
-              <a:latin typeface="Helvetica Light"/>
-              <a:cs typeface="Helvetica Light"/>
-            </a:endParaRPr>
           </a:p>
         </p:txBody>
       </p:sp>
@@ -16021,102 +15491,6 @@
   <p:clrMapOvr>
     <a:masterClrMapping/>
   </p:clrMapOvr>
-  <p:timing>
-    <p:tnLst>
-      <p:par>
-        <p:cTn id="1" dur="indefinite" restart="never" nodeType="tmRoot"/>
-      </p:par>
-    </p:tnLst>
-  </p:timing>
-</p:sld>
-</file>
-
-<file path=ppt/slides/slide9.xml><?xml version="1.0" encoding="utf-8"?>
-<p:sld xmlns:a="http://schemas.openxmlformats.org/drawingml/2006/main" xmlns:r="http://schemas.openxmlformats.org/officeDocument/2006/relationships" xmlns:p="http://schemas.openxmlformats.org/presentationml/2006/main">
-  <p:cSld>
-    <p:spTree>
-      <p:nvGrpSpPr>
-        <p:cNvPr id="1" name=""/>
-        <p:cNvGrpSpPr/>
-        <p:nvPr/>
-      </p:nvGrpSpPr>
-      <p:grpSpPr>
-        <a:xfrm>
-          <a:off x="0" y="0"/>
-          <a:ext cx="0" cy="0"/>
-          <a:chOff x="0" y="0"/>
-          <a:chExt cx="0" cy="0"/>
-        </a:xfrm>
-      </p:grpSpPr>
-      <p:sp>
-        <p:nvSpPr>
-          <p:cNvPr id="2" name="Titel 1"/>
-          <p:cNvSpPr>
-            <a:spLocks noGrp="1"/>
-          </p:cNvSpPr>
-          <p:nvPr>
-            <p:ph type="title"/>
-          </p:nvPr>
-        </p:nvSpPr>
-        <p:spPr>
-          <a:xfrm>
-            <a:off x="0" y="2514600"/>
-            <a:ext cx="9144000" cy="3124944"/>
-          </a:xfrm>
-        </p:spPr>
-        <p:txBody>
-          <a:bodyPr anchor="ctr"/>
-          <a:lstStyle/>
-          <a:p>
-            <a:pPr algn="ctr"/>
-            <a:r>
-              <a:rPr lang="nl-NL" sz="11500" dirty="0" smtClean="0">
-                <a:latin typeface="Helvetica Light"/>
-                <a:cs typeface="Helvetica Light"/>
-              </a:rPr>
-              <a:t>Vragen?</a:t>
-            </a:r>
-            <a:endParaRPr lang="nl-NL" sz="49600" dirty="0">
-              <a:solidFill>
-                <a:schemeClr val="bg1">
-                  <a:lumMod val="95000"/>
-                </a:schemeClr>
-              </a:solidFill>
-              <a:latin typeface="Helvetica Light"/>
-              <a:cs typeface="Helvetica Light"/>
-            </a:endParaRPr>
-          </a:p>
-        </p:txBody>
-      </p:sp>
-    </p:spTree>
-    <p:extLst>
-      <p:ext uri="{BB962C8B-B14F-4D97-AF65-F5344CB8AC3E}">
-        <p14:creationId xmlns:p14="http://schemas.microsoft.com/office/powerpoint/2010/main" val="49314784"/>
-      </p:ext>
-    </p:extLst>
-  </p:cSld>
-  <p:clrMapOvr>
-    <a:masterClrMapping/>
-  </p:clrMapOvr>
-  <mc:AlternateContent xmlns:mc="http://schemas.openxmlformats.org/markup-compatibility/2006" xmlns:p14="http://schemas.microsoft.com/office/powerpoint/2010/main">
-    <mc:Choice Requires="p14">
-      <p:transition spd="med" p14:dur="700">
-        <p:fade/>
-      </p:transition>
-    </mc:Choice>
-    <mc:Fallback xmlns="">
-      <p:transition spd="med">
-        <p:fade/>
-      </p:transition>
-    </mc:Fallback>
-  </mc:AlternateContent>
-  <p:timing>
-    <p:tnLst>
-      <p:par>
-        <p:cTn id="1" dur="indefinite" restart="never" nodeType="tmRoot"/>
-      </p:par>
-    </p:tnLst>
-  </p:timing>
 </p:sld>
 </file>
 
@@ -21606,6 +20980,12 @@
 </file>
 
 <file path=customXml/item1.xml><?xml version="1.0" encoding="utf-8"?>
+<p:properties xmlns:p="http://schemas.microsoft.com/office/2006/metadata/properties" xmlns:xsi="http://www.w3.org/2001/XMLSchema-instance">
+  <documentManagement/>
+</p:properties>
+</file>
+
+<file path=customXml/item2.xml><?xml version="1.0" encoding="utf-8"?>
 <ct:contentTypeSchema xmlns:ct="http://schemas.microsoft.com/office/2006/metadata/contentType" xmlns:ma="http://schemas.microsoft.com/office/2006/metadata/properties/metaAttributes" ct:_="" ma:_="" ma:contentTypeName="Document" ma:contentTypeID="0x010100B58038D1F586F949BDCB6D68F56E6650" ma:contentTypeVersion="1" ma:contentTypeDescription="Create a new document." ma:contentTypeScope="" ma:versionID="cd8d4eb37389dbde3a72667022213ca5">
   <xsd:schema xmlns:xsd="http://www.w3.org/2001/XMLSchema" xmlns:xs="http://www.w3.org/2001/XMLSchema" xmlns:p="http://schemas.microsoft.com/office/2006/metadata/properties" targetNamespace="http://schemas.microsoft.com/office/2006/metadata/properties" ma:root="true" ma:fieldsID="26e4863383729cb444416dcdc8f5e0bd">
     <xsd:element name="properties">
@@ -21719,12 +21099,6 @@
 </ct:contentTypeSchema>
 </file>
 
-<file path=customXml/item2.xml><?xml version="1.0" encoding="utf-8"?>
-<p:properties xmlns:p="http://schemas.microsoft.com/office/2006/metadata/properties" xmlns:xsi="http://www.w3.org/2001/XMLSchema-instance">
-  <documentManagement/>
-</p:properties>
-</file>
-
 <file path=customXml/item3.xml><?xml version="1.0" encoding="utf-8"?>
 <?mso-contentType ?>
 <FormTemplates xmlns="http://schemas.microsoft.com/sharepoint/v3/contenttype/forms">
@@ -21735,13 +21109,33 @@
 </file>
 
 <file path=customXml/itemProps1.xml><?xml version="1.0" encoding="utf-8"?>
-<ds:datastoreItem xmlns:ds="http://schemas.openxmlformats.org/officeDocument/2006/customXml" ds:itemID="{91BA73EB-7CF2-4B27-B4C5-970BF4A858B9}"/>
+<ds:datastoreItem xmlns:ds="http://schemas.openxmlformats.org/officeDocument/2006/customXml" ds:itemID="{568E7E90-2B99-487E-B3DC-6471039D9606}">
+  <ds:schemaRefs>
+    <ds:schemaRef ds:uri="http://schemas.microsoft.com/office/2006/metadata/properties"/>
+  </ds:schemaRefs>
+</ds:datastoreItem>
 </file>
 
 <file path=customXml/itemProps2.xml><?xml version="1.0" encoding="utf-8"?>
-<ds:datastoreItem xmlns:ds="http://schemas.openxmlformats.org/officeDocument/2006/customXml" ds:itemID="{568E7E90-2B99-487E-B3DC-6471039D9606}"/>
+<ds:datastoreItem xmlns:ds="http://schemas.openxmlformats.org/officeDocument/2006/customXml" ds:itemID="{91BA73EB-7CF2-4B27-B4C5-970BF4A858B9}">
+  <ds:schemaRefs>
+    <ds:schemaRef ds:uri="http://schemas.microsoft.com/office/2006/metadata/contentType"/>
+    <ds:schemaRef ds:uri="http://schemas.microsoft.com/office/2006/metadata/properties/metaAttributes"/>
+    <ds:schemaRef ds:uri="http://www.w3.org/2001/XMLSchema"/>
+    <ds:schemaRef ds:uri="http://schemas.microsoft.com/office/2006/metadata/properties"/>
+    <ds:schemaRef ds:uri="http://schemas.openxmlformats.org/package/2006/metadata/core-properties"/>
+    <ds:schemaRef ds:uri="http://purl.org/dc/elements/1.1/"/>
+    <ds:schemaRef ds:uri="http://purl.org/dc/terms/"/>
+    <ds:schemaRef ds:uri="http://schemas.microsoft.com/internal/obd"/>
+    <ds:schemaRef ds:uri="http://schemas.microsoft.com/office/infopath/2007/PartnerControls"/>
+  </ds:schemaRefs>
+</ds:datastoreItem>
 </file>
 
 <file path=customXml/itemProps3.xml><?xml version="1.0" encoding="utf-8"?>
-<ds:datastoreItem xmlns:ds="http://schemas.openxmlformats.org/officeDocument/2006/customXml" ds:itemID="{2F45B19D-3448-40FC-8962-989CE09B3CDF}"/>
+<ds:datastoreItem xmlns:ds="http://schemas.openxmlformats.org/officeDocument/2006/customXml" ds:itemID="{2F45B19D-3448-40FC-8962-989CE09B3CDF}">
+  <ds:schemaRefs>
+    <ds:schemaRef ds:uri="http://schemas.microsoft.com/sharepoint/v3/contenttype/forms"/>
+  </ds:schemaRefs>
+</ds:datastoreItem>
 </file>